--- a/플러터/프로젝트/14_.pptx
+++ b/플러터/프로젝트/14_.pptx
@@ -16,16 +16,18 @@
     <p:sldId id="261" r:id="rId11"/>
     <p:sldId id="262" r:id="rId12"/>
     <p:sldId id="263" r:id="rId13"/>
+    <p:sldId id="264" r:id="rId14"/>
+    <p:sldId id="265" r:id="rId15"/>
   </p:sldIdLst>
   <p:sldSz cy="5143500" cx="9144000"/>
   <p:notesSz cx="6858000" cy="9144000"/>
   <p:embeddedFontLst>
     <p:embeddedFont>
       <p:font typeface="Nunito"/>
-      <p:regular r:id="rId14"/>
-      <p:bold r:id="rId15"/>
-      <p:italic r:id="rId16"/>
-      <p:boldItalic r:id="rId17"/>
+      <p:regular r:id="rId16"/>
+      <p:bold r:id="rId17"/>
+      <p:italic r:id="rId18"/>
+      <p:boldItalic r:id="rId19"/>
     </p:embeddedFont>
   </p:embeddedFontLst>
   <p:defaultTextStyle>
@@ -801,6 +803,105 @@
 </p:notes>
 </file>
 
+<file path=ppt/notesSlides/notesSlide10.xml><?xml version="1.0" encoding="utf-8"?>
+<p:notes xmlns:a="http://schemas.openxmlformats.org/drawingml/2006/main" xmlns:r="http://schemas.openxmlformats.org/officeDocument/2006/relationships" xmlns:mc="http://schemas.openxmlformats.org/markup-compatibility/2006" xmlns:mv="urn:schemas-microsoft-com:mac:vml" xmlns:p="http://schemas.openxmlformats.org/presentationml/2006/main" xmlns:c="http://schemas.openxmlformats.org/drawingml/2006/chart" xmlns:dgm="http://schemas.openxmlformats.org/drawingml/2006/diagram" xmlns:o="urn:schemas-microsoft-com:office:office" xmlns:v="urn:schemas-microsoft-com:vml" xmlns:pvml="urn:schemas-microsoft-com:office:powerpoint" xmlns:com="http://schemas.openxmlformats.org/drawingml/2006/compatibility" xmlns:p14="http://schemas.microsoft.com/office/powerpoint/2010/main" xmlns:p15="http://schemas.microsoft.com/office/powerpoint/2012/main" xmlns:ahyp="http://schemas.microsoft.com/office/drawing/2018/hyperlinkcolor" showMasterPhAnim="0" showMasterSp="0">
+  <p:cSld>
+    <p:spTree>
+      <p:nvGrpSpPr>
+        <p:cNvPr id="212" name="Shape 212"/>
+        <p:cNvGrpSpPr/>
+        <p:nvPr/>
+      </p:nvGrpSpPr>
+      <p:grpSpPr>
+        <a:xfrm>
+          <a:off x="0" y="0"/>
+          <a:ext cx="0" cy="0"/>
+          <a:chOff x="0" y="0"/>
+          <a:chExt cx="0" cy="0"/>
+        </a:xfrm>
+      </p:grpSpPr>
+      <p:sp>
+        <p:nvSpPr>
+          <p:cNvPr id="213" name="Google Shape;213;g36919e7814a_0_70:notes"/>
+          <p:cNvSpPr/>
+          <p:nvPr>
+            <p:ph idx="2" type="sldImg"/>
+          </p:nvPr>
+        </p:nvSpPr>
+        <p:spPr>
+          <a:xfrm>
+            <a:off x="381300" y="685800"/>
+            <a:ext cx="6096000" cy="3429000"/>
+          </a:xfrm>
+          <a:custGeom>
+            <a:rect b="b" l="l" r="r" t="t"/>
+            <a:pathLst>
+              <a:path extrusionOk="0" h="120000" w="120000">
+                <a:moveTo>
+                  <a:pt x="0" y="0"/>
+                </a:moveTo>
+                <a:lnTo>
+                  <a:pt x="120000" y="0"/>
+                </a:lnTo>
+                <a:lnTo>
+                  <a:pt x="120000" y="120000"/>
+                </a:lnTo>
+                <a:lnTo>
+                  <a:pt x="0" y="120000"/>
+                </a:lnTo>
+                <a:close/>
+              </a:path>
+            </a:pathLst>
+          </a:custGeom>
+        </p:spPr>
+      </p:sp>
+      <p:sp>
+        <p:nvSpPr>
+          <p:cNvPr id="214" name="Google Shape;214;g36919e7814a_0_70:notes"/>
+          <p:cNvSpPr txBox="1"/>
+          <p:nvPr>
+            <p:ph idx="1" type="body"/>
+          </p:nvPr>
+        </p:nvSpPr>
+        <p:spPr>
+          <a:xfrm>
+            <a:off x="685800" y="4343400"/>
+            <a:ext cx="5486400" cy="4114800"/>
+          </a:xfrm>
+          <a:prstGeom prst="rect">
+            <a:avLst/>
+          </a:prstGeom>
+        </p:spPr>
+        <p:txBody>
+          <a:bodyPr anchorCtr="0" anchor="t" bIns="91425" lIns="91425" spcFirstLastPara="1" rIns="91425" wrap="square" tIns="91425">
+            <a:noAutofit/>
+          </a:bodyPr>
+          <a:lstStyle/>
+          <a:p>
+            <a:pPr indent="0" lvl="0" marL="0" rtl="0" algn="l">
+              <a:spcBef>
+                <a:spcPts val="0"/>
+              </a:spcBef>
+              <a:spcAft>
+                <a:spcPts val="0"/>
+              </a:spcAft>
+              <a:buNone/>
+            </a:pPr>
+            <a:r>
+              <a:t/>
+            </a:r>
+            <a:endParaRPr/>
+          </a:p>
+        </p:txBody>
+      </p:sp>
+    </p:spTree>
+  </p:cSld>
+  <p:clrMapOvr>
+    <a:masterClrMapping/>
+  </p:clrMapOvr>
+</p:notes>
+</file>
+
 <file path=ppt/notesSlides/notesSlide2.xml><?xml version="1.0" encoding="utf-8"?>
 <p:notes xmlns:a="http://schemas.openxmlformats.org/drawingml/2006/main" xmlns:r="http://schemas.openxmlformats.org/officeDocument/2006/relationships" xmlns:mc="http://schemas.openxmlformats.org/markup-compatibility/2006" xmlns:mv="urn:schemas-microsoft-com:mac:vml" xmlns:p="http://schemas.openxmlformats.org/presentationml/2006/main" xmlns:c="http://schemas.openxmlformats.org/drawingml/2006/chart" xmlns:dgm="http://schemas.openxmlformats.org/drawingml/2006/diagram" xmlns:o="urn:schemas-microsoft-com:office:office" xmlns:v="urn:schemas-microsoft-com:vml" xmlns:pvml="urn:schemas-microsoft-com:office:powerpoint" xmlns:com="http://schemas.openxmlformats.org/drawingml/2006/compatibility" xmlns:p14="http://schemas.microsoft.com/office/powerpoint/2010/main" xmlns:p15="http://schemas.microsoft.com/office/powerpoint/2012/main" xmlns:ahyp="http://schemas.microsoft.com/office/drawing/2018/hyperlinkcolor" showMasterPhAnim="0" showMasterSp="0">
   <p:cSld>
@@ -1202,7 +1303,7 @@
   <p:cSld>
     <p:spTree>
       <p:nvGrpSpPr>
-        <p:cNvPr id="169" name="Shape 169"/>
+        <p:cNvPr id="173" name="Shape 173"/>
         <p:cNvGrpSpPr/>
         <p:nvPr/>
       </p:nvGrpSpPr>
@@ -1216,7 +1317,7 @@
       </p:grpSpPr>
       <p:sp>
         <p:nvSpPr>
-          <p:cNvPr id="170" name="Google Shape;170;g354317207c1_0_2:notes"/>
+          <p:cNvPr id="174" name="Google Shape;174;g354317207c1_0_2:notes"/>
           <p:cNvSpPr/>
           <p:nvPr>
             <p:ph idx="2" type="sldImg"/>
@@ -1251,7 +1352,7 @@
       </p:sp>
       <p:sp>
         <p:nvSpPr>
-          <p:cNvPr id="171" name="Google Shape;171;g354317207c1_0_2:notes"/>
+          <p:cNvPr id="175" name="Google Shape;175;g354317207c1_0_2:notes"/>
           <p:cNvSpPr txBox="1"/>
           <p:nvPr>
             <p:ph idx="1" type="body"/>
@@ -1301,7 +1402,7 @@
   <p:cSld>
     <p:spTree>
       <p:nvGrpSpPr>
-        <p:cNvPr id="184" name="Shape 184"/>
+        <p:cNvPr id="188" name="Shape 188"/>
         <p:cNvGrpSpPr/>
         <p:nvPr/>
       </p:nvGrpSpPr>
@@ -1315,7 +1416,7 @@
       </p:grpSpPr>
       <p:sp>
         <p:nvSpPr>
-          <p:cNvPr id="185" name="Google Shape;185;g357ce63dcf5_0_0:notes"/>
+          <p:cNvPr id="189" name="Google Shape;189;g357ce63dcf5_0_0:notes"/>
           <p:cNvSpPr/>
           <p:nvPr>
             <p:ph idx="2" type="sldImg"/>
@@ -1350,7 +1451,7 @@
       </p:sp>
       <p:sp>
         <p:nvSpPr>
-          <p:cNvPr id="186" name="Google Shape;186;g357ce63dcf5_0_0:notes"/>
+          <p:cNvPr id="190" name="Google Shape;190;g357ce63dcf5_0_0:notes"/>
           <p:cNvSpPr txBox="1"/>
           <p:nvPr>
             <p:ph idx="1" type="body"/>
@@ -1400,7 +1501,7 @@
   <p:cSld>
     <p:spTree>
       <p:nvGrpSpPr>
-        <p:cNvPr id="190" name="Shape 190"/>
+        <p:cNvPr id="195" name="Shape 195"/>
         <p:cNvGrpSpPr/>
         <p:nvPr/>
       </p:nvGrpSpPr>
@@ -1414,7 +1515,7 @@
       </p:grpSpPr>
       <p:sp>
         <p:nvSpPr>
-          <p:cNvPr id="191" name="Google Shape;191;g357ce63dcf5_0_5:notes"/>
+          <p:cNvPr id="196" name="Google Shape;196;g36919e7814a_0_11:notes"/>
           <p:cNvSpPr/>
           <p:nvPr>
             <p:ph idx="2" type="sldImg"/>
@@ -1449,7 +1550,106 @@
       </p:sp>
       <p:sp>
         <p:nvSpPr>
-          <p:cNvPr id="192" name="Google Shape;192;g357ce63dcf5_0_5:notes"/>
+          <p:cNvPr id="197" name="Google Shape;197;g36919e7814a_0_11:notes"/>
+          <p:cNvSpPr txBox="1"/>
+          <p:nvPr>
+            <p:ph idx="1" type="body"/>
+          </p:nvPr>
+        </p:nvSpPr>
+        <p:spPr>
+          <a:xfrm>
+            <a:off x="685800" y="4343400"/>
+            <a:ext cx="5486400" cy="4114800"/>
+          </a:xfrm>
+          <a:prstGeom prst="rect">
+            <a:avLst/>
+          </a:prstGeom>
+        </p:spPr>
+        <p:txBody>
+          <a:bodyPr anchorCtr="0" anchor="t" bIns="91425" lIns="91425" spcFirstLastPara="1" rIns="91425" wrap="square" tIns="91425">
+            <a:noAutofit/>
+          </a:bodyPr>
+          <a:lstStyle/>
+          <a:p>
+            <a:pPr indent="0" lvl="0" marL="0" rtl="0" algn="l">
+              <a:spcBef>
+                <a:spcPts val="0"/>
+              </a:spcBef>
+              <a:spcAft>
+                <a:spcPts val="0"/>
+              </a:spcAft>
+              <a:buNone/>
+            </a:pPr>
+            <a:r>
+              <a:t/>
+            </a:r>
+            <a:endParaRPr/>
+          </a:p>
+        </p:txBody>
+      </p:sp>
+    </p:spTree>
+  </p:cSld>
+  <p:clrMapOvr>
+    <a:masterClrMapping/>
+  </p:clrMapOvr>
+</p:notes>
+</file>
+
+<file path=ppt/notesSlides/notesSlide9.xml><?xml version="1.0" encoding="utf-8"?>
+<p:notes xmlns:a="http://schemas.openxmlformats.org/drawingml/2006/main" xmlns:r="http://schemas.openxmlformats.org/officeDocument/2006/relationships" xmlns:mc="http://schemas.openxmlformats.org/markup-compatibility/2006" xmlns:mv="urn:schemas-microsoft-com:mac:vml" xmlns:p="http://schemas.openxmlformats.org/presentationml/2006/main" xmlns:c="http://schemas.openxmlformats.org/drawingml/2006/chart" xmlns:dgm="http://schemas.openxmlformats.org/drawingml/2006/diagram" xmlns:o="urn:schemas-microsoft-com:office:office" xmlns:v="urn:schemas-microsoft-com:vml" xmlns:pvml="urn:schemas-microsoft-com:office:powerpoint" xmlns:com="http://schemas.openxmlformats.org/drawingml/2006/compatibility" xmlns:p14="http://schemas.microsoft.com/office/powerpoint/2010/main" xmlns:p15="http://schemas.microsoft.com/office/powerpoint/2012/main" xmlns:ahyp="http://schemas.microsoft.com/office/drawing/2018/hyperlinkcolor" showMasterPhAnim="0" showMasterSp="0">
+  <p:cSld>
+    <p:spTree>
+      <p:nvGrpSpPr>
+        <p:cNvPr id="203" name="Shape 203"/>
+        <p:cNvGrpSpPr/>
+        <p:nvPr/>
+      </p:nvGrpSpPr>
+      <p:grpSpPr>
+        <a:xfrm>
+          <a:off x="0" y="0"/>
+          <a:ext cx="0" cy="0"/>
+          <a:chOff x="0" y="0"/>
+          <a:chExt cx="0" cy="0"/>
+        </a:xfrm>
+      </p:grpSpPr>
+      <p:sp>
+        <p:nvSpPr>
+          <p:cNvPr id="204" name="Google Shape;204;g36919e7814a_0_45:notes"/>
+          <p:cNvSpPr/>
+          <p:nvPr>
+            <p:ph idx="2" type="sldImg"/>
+          </p:nvPr>
+        </p:nvSpPr>
+        <p:spPr>
+          <a:xfrm>
+            <a:off x="381300" y="685800"/>
+            <a:ext cx="6096000" cy="3429000"/>
+          </a:xfrm>
+          <a:custGeom>
+            <a:rect b="b" l="l" r="r" t="t"/>
+            <a:pathLst>
+              <a:path extrusionOk="0" h="120000" w="120000">
+                <a:moveTo>
+                  <a:pt x="0" y="0"/>
+                </a:moveTo>
+                <a:lnTo>
+                  <a:pt x="120000" y="0"/>
+                </a:lnTo>
+                <a:lnTo>
+                  <a:pt x="120000" y="120000"/>
+                </a:lnTo>
+                <a:lnTo>
+                  <a:pt x="0" y="120000"/>
+                </a:lnTo>
+                <a:close/>
+              </a:path>
+            </a:pathLst>
+          </a:custGeom>
+        </p:spPr>
+      </p:sp>
+      <p:sp>
+        <p:nvSpPr>
+          <p:cNvPr id="205" name="Google Shape;205;g36919e7814a_0_45:notes"/>
           <p:cNvSpPr txBox="1"/>
           <p:nvPr>
             <p:ph idx="1" type="body"/>
@@ -9648,6 +9848,303 @@
 </p:sld>
 </file>
 
+<file path=ppt/slides/slide10.xml><?xml version="1.0" encoding="utf-8"?>
+<p:sld xmlns:a="http://schemas.openxmlformats.org/drawingml/2006/main" xmlns:r="http://schemas.openxmlformats.org/officeDocument/2006/relationships" xmlns:mc="http://schemas.openxmlformats.org/markup-compatibility/2006" xmlns:mv="urn:schemas-microsoft-com:mac:vml" xmlns:p="http://schemas.openxmlformats.org/presentationml/2006/main" xmlns:c="http://schemas.openxmlformats.org/drawingml/2006/chart" xmlns:dgm="http://schemas.openxmlformats.org/drawingml/2006/diagram" xmlns:o="urn:schemas-microsoft-com:office:office" xmlns:v="urn:schemas-microsoft-com:vml" xmlns:pvml="urn:schemas-microsoft-com:office:powerpoint" xmlns:com="http://schemas.openxmlformats.org/drawingml/2006/compatibility" xmlns:p14="http://schemas.microsoft.com/office/powerpoint/2010/main" xmlns:p15="http://schemas.microsoft.com/office/powerpoint/2012/main" xmlns:ahyp="http://schemas.microsoft.com/office/drawing/2018/hyperlinkcolor">
+  <p:cSld>
+    <p:spTree>
+      <p:nvGrpSpPr>
+        <p:cNvPr id="215" name="Shape 215"/>
+        <p:cNvGrpSpPr/>
+        <p:nvPr/>
+      </p:nvGrpSpPr>
+      <p:grpSpPr>
+        <a:xfrm>
+          <a:off x="0" y="0"/>
+          <a:ext cx="0" cy="0"/>
+          <a:chOff x="0" y="0"/>
+          <a:chExt cx="0" cy="0"/>
+        </a:xfrm>
+      </p:grpSpPr>
+      <p:sp>
+        <p:nvSpPr>
+          <p:cNvPr id="216" name="Google Shape;216;p22"/>
+          <p:cNvSpPr txBox="1"/>
+          <p:nvPr>
+            <p:ph type="title"/>
+          </p:nvPr>
+        </p:nvSpPr>
+        <p:spPr>
+          <a:xfrm>
+            <a:off x="200525" y="188325"/>
+            <a:ext cx="3438300" cy="343200"/>
+          </a:xfrm>
+          <a:prstGeom prst="rect">
+            <a:avLst/>
+          </a:prstGeom>
+        </p:spPr>
+        <p:txBody>
+          <a:bodyPr anchorCtr="0" anchor="t" bIns="91425" lIns="91425" spcFirstLastPara="1" rIns="91425" wrap="square" tIns="91425">
+            <a:normAutofit fontScale="90000"/>
+          </a:bodyPr>
+          <a:lstStyle/>
+          <a:p>
+            <a:pPr indent="0" lvl="0" marL="0" rtl="0" algn="l">
+              <a:spcBef>
+                <a:spcPts val="0"/>
+              </a:spcBef>
+              <a:spcAft>
+                <a:spcPts val="0"/>
+              </a:spcAft>
+              <a:buNone/>
+            </a:pPr>
+            <a:r>
+              <a:rPr lang="ko" sz="1500"/>
+              <a:t>세부기능 구현 ( </a:t>
+            </a:r>
+            <a:r>
+              <a:rPr lang="ko" sz="1500"/>
+              <a:t>이미지 저장</a:t>
+            </a:r>
+            <a:r>
+              <a:rPr lang="ko" sz="1500"/>
+              <a:t> )</a:t>
+            </a:r>
+            <a:endParaRPr sz="1500"/>
+          </a:p>
+        </p:txBody>
+      </p:sp>
+      <p:sp>
+        <p:nvSpPr>
+          <p:cNvPr id="217" name="Google Shape;217;p22"/>
+          <p:cNvSpPr txBox="1"/>
+          <p:nvPr/>
+        </p:nvSpPr>
+        <p:spPr>
+          <a:xfrm>
+            <a:off x="3544525" y="2835050"/>
+            <a:ext cx="4824900" cy="1585500"/>
+          </a:xfrm>
+          <a:prstGeom prst="rect">
+            <a:avLst/>
+          </a:prstGeom>
+          <a:noFill/>
+          <a:ln>
+            <a:noFill/>
+          </a:ln>
+        </p:spPr>
+        <p:txBody>
+          <a:bodyPr anchorCtr="0" anchor="t" bIns="91425" lIns="91425" spcFirstLastPara="1" rIns="91425" wrap="square" tIns="91425">
+            <a:spAutoFit/>
+          </a:bodyPr>
+          <a:lstStyle/>
+          <a:p>
+            <a:pPr indent="0" lvl="0" marL="0" rtl="0" algn="l">
+              <a:spcBef>
+                <a:spcPts val="0"/>
+              </a:spcBef>
+              <a:spcAft>
+                <a:spcPts val="0"/>
+              </a:spcAft>
+              <a:buNone/>
+            </a:pPr>
+            <a:r>
+              <a:rPr lang="ko" sz="1300">
+                <a:solidFill>
+                  <a:schemeClr val="dk2"/>
+                </a:solidFill>
+                <a:latin typeface="Calibri"/>
+                <a:ea typeface="Calibri"/>
+                <a:cs typeface="Calibri"/>
+                <a:sym typeface="Calibri"/>
+              </a:rPr>
+              <a:t>API 기능을 사용해서 명언 모음집을 가져오고 해당 명언은 JSON 형식으로 읽어와서 출력</a:t>
+            </a:r>
+            <a:endParaRPr sz="1300">
+              <a:solidFill>
+                <a:schemeClr val="dk2"/>
+              </a:solidFill>
+              <a:latin typeface="Calibri"/>
+              <a:ea typeface="Calibri"/>
+              <a:cs typeface="Calibri"/>
+              <a:sym typeface="Calibri"/>
+            </a:endParaRPr>
+          </a:p>
+          <a:p>
+            <a:pPr indent="0" lvl="0" marL="0" rtl="0" algn="l">
+              <a:spcBef>
+                <a:spcPts val="0"/>
+              </a:spcBef>
+              <a:spcAft>
+                <a:spcPts val="0"/>
+              </a:spcAft>
+              <a:buNone/>
+            </a:pPr>
+            <a:r>
+              <a:t/>
+            </a:r>
+            <a:endParaRPr sz="1300">
+              <a:solidFill>
+                <a:schemeClr val="dk2"/>
+              </a:solidFill>
+              <a:latin typeface="Calibri"/>
+              <a:ea typeface="Calibri"/>
+              <a:cs typeface="Calibri"/>
+              <a:sym typeface="Calibri"/>
+            </a:endParaRPr>
+          </a:p>
+          <a:p>
+            <a:pPr indent="0" lvl="0" marL="0" rtl="0" algn="l">
+              <a:spcBef>
+                <a:spcPts val="0"/>
+              </a:spcBef>
+              <a:spcAft>
+                <a:spcPts val="0"/>
+              </a:spcAft>
+              <a:buNone/>
+            </a:pPr>
+            <a:r>
+              <a:rPr lang="ko" sz="1300">
+                <a:solidFill>
+                  <a:schemeClr val="dk2"/>
+                </a:solidFill>
+                <a:latin typeface="Calibri"/>
+                <a:ea typeface="Calibri"/>
+                <a:cs typeface="Calibri"/>
+                <a:sym typeface="Calibri"/>
+              </a:rPr>
+              <a:t>불러온 메세지를 특정 영역안에 넣고 해당 영역 자체를 이미지로 저장할 수 있는 기능 추가</a:t>
+            </a:r>
+            <a:endParaRPr sz="1300">
+              <a:solidFill>
+                <a:schemeClr val="dk2"/>
+              </a:solidFill>
+              <a:latin typeface="Calibri"/>
+              <a:ea typeface="Calibri"/>
+              <a:cs typeface="Calibri"/>
+              <a:sym typeface="Calibri"/>
+            </a:endParaRPr>
+          </a:p>
+          <a:p>
+            <a:pPr indent="0" lvl="0" marL="0" rtl="0" algn="l">
+              <a:spcBef>
+                <a:spcPts val="0"/>
+              </a:spcBef>
+              <a:spcAft>
+                <a:spcPts val="0"/>
+              </a:spcAft>
+              <a:buNone/>
+            </a:pPr>
+            <a:r>
+              <a:t/>
+            </a:r>
+            <a:endParaRPr sz="1300">
+              <a:solidFill>
+                <a:schemeClr val="dk2"/>
+              </a:solidFill>
+              <a:latin typeface="Calibri"/>
+              <a:ea typeface="Calibri"/>
+              <a:cs typeface="Calibri"/>
+              <a:sym typeface="Calibri"/>
+            </a:endParaRPr>
+          </a:p>
+          <a:p>
+            <a:pPr indent="0" lvl="0" marL="0" rtl="0" algn="l">
+              <a:spcBef>
+                <a:spcPts val="0"/>
+              </a:spcBef>
+              <a:spcAft>
+                <a:spcPts val="0"/>
+              </a:spcAft>
+              <a:buNone/>
+            </a:pPr>
+            <a:r>
+              <a:rPr lang="ko" sz="1300">
+                <a:solidFill>
+                  <a:schemeClr val="dk2"/>
+                </a:solidFill>
+                <a:latin typeface="Calibri"/>
+                <a:ea typeface="Calibri"/>
+                <a:cs typeface="Calibri"/>
+                <a:sym typeface="Calibri"/>
+              </a:rPr>
+              <a:t>이미지를 MySql에 BLOB 형식으로 저장해서 불러오는 것도 가능</a:t>
+            </a:r>
+            <a:endParaRPr sz="1300">
+              <a:solidFill>
+                <a:schemeClr val="dk2"/>
+              </a:solidFill>
+              <a:latin typeface="Calibri"/>
+              <a:ea typeface="Calibri"/>
+              <a:cs typeface="Calibri"/>
+              <a:sym typeface="Calibri"/>
+            </a:endParaRPr>
+          </a:p>
+        </p:txBody>
+      </p:sp>
+      <p:pic>
+        <p:nvPicPr>
+          <p:cNvPr id="218" name="Google Shape;218;p22"/>
+          <p:cNvPicPr preferRelativeResize="0"/>
+          <p:nvPr/>
+        </p:nvPicPr>
+        <p:blipFill>
+          <a:blip r:embed="rId3">
+            <a:alphaModFix/>
+          </a:blip>
+          <a:stretch>
+            <a:fillRect/>
+          </a:stretch>
+        </p:blipFill>
+        <p:spPr>
+          <a:xfrm>
+            <a:off x="3638825" y="797325"/>
+            <a:ext cx="2704350" cy="1826125"/>
+          </a:xfrm>
+          <a:prstGeom prst="rect">
+            <a:avLst/>
+          </a:prstGeom>
+          <a:noFill/>
+          <a:ln>
+            <a:noFill/>
+          </a:ln>
+        </p:spPr>
+      </p:pic>
+      <p:pic>
+        <p:nvPicPr>
+          <p:cNvPr id="219" name="Google Shape;219;p22"/>
+          <p:cNvPicPr preferRelativeResize="0"/>
+          <p:nvPr/>
+        </p:nvPicPr>
+        <p:blipFill>
+          <a:blip r:embed="rId4">
+            <a:alphaModFix/>
+          </a:blip>
+          <a:stretch>
+            <a:fillRect/>
+          </a:stretch>
+        </p:blipFill>
+        <p:spPr>
+          <a:xfrm>
+            <a:off x="553725" y="797325"/>
+            <a:ext cx="2731901" cy="3284571"/>
+          </a:xfrm>
+          <a:prstGeom prst="rect">
+            <a:avLst/>
+          </a:prstGeom>
+          <a:noFill/>
+          <a:ln>
+            <a:noFill/>
+          </a:ln>
+        </p:spPr>
+      </p:pic>
+    </p:spTree>
+  </p:cSld>
+  <p:clrMapOvr>
+    <a:masterClrMapping/>
+  </p:clrMapOvr>
+</p:sld>
+</file>
+
 <file path=ppt/slides/slide2.xml><?xml version="1.0" encoding="utf-8"?>
 <p:sld xmlns:a="http://schemas.openxmlformats.org/drawingml/2006/main" xmlns:r="http://schemas.openxmlformats.org/officeDocument/2006/relationships" xmlns:mc="http://schemas.openxmlformats.org/markup-compatibility/2006" xmlns:mv="urn:schemas-microsoft-com:mac:vml" xmlns:p="http://schemas.openxmlformats.org/presentationml/2006/main" xmlns:c="http://schemas.openxmlformats.org/drawingml/2006/chart" xmlns:dgm="http://schemas.openxmlformats.org/drawingml/2006/diagram" xmlns:o="urn:schemas-microsoft-com:office:office" xmlns:v="urn:schemas-microsoft-com:vml" xmlns:pvml="urn:schemas-microsoft-com:office:powerpoint" xmlns:com="http://schemas.openxmlformats.org/drawingml/2006/compatibility" xmlns:p14="http://schemas.microsoft.com/office/powerpoint/2010/main" xmlns:p15="http://schemas.microsoft.com/office/powerpoint/2012/main" xmlns:ahyp="http://schemas.microsoft.com/office/drawing/2018/hyperlinkcolor">
   <p:cSld>
@@ -11516,7 +12013,7 @@
         </p:nvSpPr>
         <p:spPr>
           <a:xfrm>
-            <a:off x="5135600" y="2500871"/>
+            <a:off x="5133415" y="2488913"/>
             <a:ext cx="1012200" cy="261600"/>
           </a:xfrm>
           <a:prstGeom prst="rect">
@@ -11580,8 +12077,232 @@
         </p:nvSpPr>
         <p:spPr>
           <a:xfrm>
-            <a:off x="5838075" y="2798650"/>
-            <a:ext cx="1429800" cy="45000"/>
+            <a:off x="2429364" y="3172114"/>
+            <a:ext cx="77100" cy="77100"/>
+          </a:xfrm>
+          <a:prstGeom prst="rect">
+            <a:avLst/>
+          </a:prstGeom>
+          <a:solidFill>
+            <a:schemeClr val="dk1"/>
+          </a:solidFill>
+          <a:ln cap="flat" cmpd="sng" w="9525">
+            <a:solidFill>
+              <a:schemeClr val="dk1"/>
+            </a:solidFill>
+            <a:prstDash val="solid"/>
+            <a:round/>
+            <a:headEnd len="sm" w="sm" type="none"/>
+            <a:tailEnd len="sm" w="sm" type="none"/>
+          </a:ln>
+        </p:spPr>
+        <p:txBody>
+          <a:bodyPr anchorCtr="0" anchor="ctr" bIns="91425" lIns="91425" spcFirstLastPara="1" rIns="91425" wrap="square" tIns="91425">
+            <a:noAutofit/>
+          </a:bodyPr>
+          <a:lstStyle/>
+          <a:p>
+            <a:pPr indent="0" lvl="0" marL="0" rtl="0" algn="ctr">
+              <a:spcBef>
+                <a:spcPts val="0"/>
+              </a:spcBef>
+              <a:spcAft>
+                <a:spcPts val="0"/>
+              </a:spcAft>
+              <a:buNone/>
+            </a:pPr>
+            <a:r>
+              <a:t/>
+            </a:r>
+            <a:endParaRPr>
+              <a:latin typeface="Calibri"/>
+              <a:ea typeface="Calibri"/>
+              <a:cs typeface="Calibri"/>
+              <a:sym typeface="Calibri"/>
+            </a:endParaRPr>
+          </a:p>
+        </p:txBody>
+      </p:sp>
+      <p:sp>
+        <p:nvSpPr>
+          <p:cNvPr id="166" name="Google Shape;166;p17"/>
+          <p:cNvSpPr/>
+          <p:nvPr/>
+        </p:nvSpPr>
+        <p:spPr>
+          <a:xfrm>
+            <a:off x="1999689" y="3172114"/>
+            <a:ext cx="77100" cy="77100"/>
+          </a:xfrm>
+          <a:prstGeom prst="rect">
+            <a:avLst/>
+          </a:prstGeom>
+          <a:solidFill>
+            <a:schemeClr val="dk1"/>
+          </a:solidFill>
+          <a:ln cap="flat" cmpd="sng" w="9525">
+            <a:solidFill>
+              <a:schemeClr val="dk1"/>
+            </a:solidFill>
+            <a:prstDash val="solid"/>
+            <a:round/>
+            <a:headEnd len="sm" w="sm" type="none"/>
+            <a:tailEnd len="sm" w="sm" type="none"/>
+          </a:ln>
+        </p:spPr>
+        <p:txBody>
+          <a:bodyPr anchorCtr="0" anchor="ctr" bIns="91425" lIns="91425" spcFirstLastPara="1" rIns="91425" wrap="square" tIns="91425">
+            <a:noAutofit/>
+          </a:bodyPr>
+          <a:lstStyle/>
+          <a:p>
+            <a:pPr indent="0" lvl="0" marL="0" rtl="0" algn="ctr">
+              <a:spcBef>
+                <a:spcPts val="0"/>
+              </a:spcBef>
+              <a:spcAft>
+                <a:spcPts val="0"/>
+              </a:spcAft>
+              <a:buNone/>
+            </a:pPr>
+            <a:r>
+              <a:t/>
+            </a:r>
+            <a:endParaRPr>
+              <a:latin typeface="Calibri"/>
+              <a:ea typeface="Calibri"/>
+              <a:cs typeface="Calibri"/>
+              <a:sym typeface="Calibri"/>
+            </a:endParaRPr>
+          </a:p>
+        </p:txBody>
+      </p:sp>
+      <p:sp>
+        <p:nvSpPr>
+          <p:cNvPr id="167" name="Google Shape;167;p17"/>
+          <p:cNvSpPr txBox="1"/>
+          <p:nvPr/>
+        </p:nvSpPr>
+        <p:spPr>
+          <a:xfrm>
+            <a:off x="2343711" y="3071861"/>
+            <a:ext cx="312600" cy="276900"/>
+          </a:xfrm>
+          <a:prstGeom prst="rect">
+            <a:avLst/>
+          </a:prstGeom>
+          <a:noFill/>
+          <a:ln>
+            <a:noFill/>
+          </a:ln>
+        </p:spPr>
+        <p:txBody>
+          <a:bodyPr anchorCtr="0" anchor="t" bIns="91425" lIns="91425" spcFirstLastPara="1" rIns="91425" wrap="square" tIns="91425">
+            <a:spAutoFit/>
+          </a:bodyPr>
+          <a:lstStyle/>
+          <a:p>
+            <a:pPr indent="0" lvl="0" marL="0" rtl="0" algn="l">
+              <a:spcBef>
+                <a:spcPts val="0"/>
+              </a:spcBef>
+              <a:spcAft>
+                <a:spcPts val="0"/>
+              </a:spcAft>
+              <a:buNone/>
+            </a:pPr>
+            <a:r>
+              <a:rPr lang="ko" sz="600">
+                <a:solidFill>
+                  <a:schemeClr val="dk2"/>
+                </a:solidFill>
+                <a:latin typeface="Calibri"/>
+                <a:ea typeface="Calibri"/>
+                <a:cs typeface="Calibri"/>
+                <a:sym typeface="Calibri"/>
+              </a:rPr>
+              <a:t>24</a:t>
+            </a:r>
+            <a:endParaRPr sz="600">
+              <a:solidFill>
+                <a:schemeClr val="dk2"/>
+              </a:solidFill>
+              <a:latin typeface="Calibri"/>
+              <a:ea typeface="Calibri"/>
+              <a:cs typeface="Calibri"/>
+              <a:sym typeface="Calibri"/>
+            </a:endParaRPr>
+          </a:p>
+        </p:txBody>
+      </p:sp>
+      <p:sp>
+        <p:nvSpPr>
+          <p:cNvPr id="168" name="Google Shape;168;p17"/>
+          <p:cNvSpPr txBox="1"/>
+          <p:nvPr/>
+        </p:nvSpPr>
+        <p:spPr>
+          <a:xfrm>
+            <a:off x="1906000" y="3071861"/>
+            <a:ext cx="312600" cy="276900"/>
+          </a:xfrm>
+          <a:prstGeom prst="rect">
+            <a:avLst/>
+          </a:prstGeom>
+          <a:noFill/>
+          <a:ln>
+            <a:noFill/>
+          </a:ln>
+        </p:spPr>
+        <p:txBody>
+          <a:bodyPr anchorCtr="0" anchor="t" bIns="91425" lIns="91425" spcFirstLastPara="1" rIns="91425" wrap="square" tIns="91425">
+            <a:spAutoFit/>
+          </a:bodyPr>
+          <a:lstStyle/>
+          <a:p>
+            <a:pPr indent="0" lvl="0" marL="0" rtl="0" algn="l">
+              <a:spcBef>
+                <a:spcPts val="0"/>
+              </a:spcBef>
+              <a:spcAft>
+                <a:spcPts val="0"/>
+              </a:spcAft>
+              <a:buNone/>
+            </a:pPr>
+            <a:r>
+              <a:rPr lang="ko" sz="600">
+                <a:solidFill>
+                  <a:schemeClr val="dk2"/>
+                </a:solidFill>
+                <a:latin typeface="Calibri"/>
+                <a:ea typeface="Calibri"/>
+                <a:cs typeface="Calibri"/>
+                <a:sym typeface="Calibri"/>
+              </a:rPr>
+              <a:t>24</a:t>
+            </a:r>
+            <a:endParaRPr sz="600">
+              <a:solidFill>
+                <a:schemeClr val="dk2"/>
+              </a:solidFill>
+              <a:latin typeface="Calibri"/>
+              <a:ea typeface="Calibri"/>
+              <a:cs typeface="Calibri"/>
+              <a:sym typeface="Calibri"/>
+            </a:endParaRPr>
+          </a:p>
+        </p:txBody>
+      </p:sp>
+      <p:sp>
+        <p:nvSpPr>
+          <p:cNvPr id="169" name="Google Shape;169;p17"/>
+          <p:cNvSpPr/>
+          <p:nvPr/>
+        </p:nvSpPr>
+        <p:spPr>
+          <a:xfrm>
+            <a:off x="5838075" y="2803097"/>
+            <a:ext cx="704100" cy="45000"/>
           </a:xfrm>
           <a:prstGeom prst="rect">
             <a:avLst/>
@@ -11628,77 +12349,13 @@
       </p:sp>
       <p:sp>
         <p:nvSpPr>
-          <p:cNvPr id="166" name="Google Shape;166;p17"/>
-          <p:cNvSpPr txBox="1"/>
-          <p:nvPr/>
-        </p:nvSpPr>
-        <p:spPr>
-          <a:xfrm>
-            <a:off x="5838075" y="2628025"/>
-            <a:ext cx="1340400" cy="261600"/>
-          </a:xfrm>
-          <a:prstGeom prst="rect">
-            <a:avLst/>
-          </a:prstGeom>
-          <a:noFill/>
-          <a:ln>
-            <a:noFill/>
-          </a:ln>
-        </p:spPr>
-        <p:txBody>
-          <a:bodyPr anchorCtr="0" anchor="t" bIns="91425" lIns="91425" spcFirstLastPara="1" rIns="91425" wrap="square" tIns="91425">
-            <a:spAutoFit/>
-          </a:bodyPr>
-          <a:lstStyle/>
-          <a:p>
-            <a:pPr indent="0" lvl="0" marL="0" rtl="0" algn="l">
-              <a:spcBef>
-                <a:spcPts val="0"/>
-              </a:spcBef>
-              <a:spcAft>
-                <a:spcPts val="0"/>
-              </a:spcAft>
-              <a:buNone/>
-            </a:pPr>
-            <a:r>
-              <a:rPr lang="ko" sz="500">
-                <a:solidFill>
-                  <a:schemeClr val="dk2"/>
-                </a:solidFill>
-                <a:highlight>
-                  <a:schemeClr val="dk1"/>
-                </a:highlight>
-                <a:latin typeface="Calibri"/>
-                <a:ea typeface="Calibri"/>
-                <a:cs typeface="Calibri"/>
-                <a:sym typeface="Calibri"/>
-              </a:rPr>
-              <a:t>세부기능 구현(로그인, like 기능  …)</a:t>
-            </a:r>
-            <a:endParaRPr sz="500">
-              <a:solidFill>
-                <a:schemeClr val="dk2"/>
-              </a:solidFill>
-              <a:highlight>
-                <a:schemeClr val="dk1"/>
-              </a:highlight>
-              <a:latin typeface="Calibri"/>
-              <a:ea typeface="Calibri"/>
-              <a:cs typeface="Calibri"/>
-              <a:sym typeface="Calibri"/>
-            </a:endParaRPr>
-          </a:p>
-        </p:txBody>
-      </p:sp>
-      <p:sp>
-        <p:nvSpPr>
-          <p:cNvPr id="167" name="Google Shape;167;p17"/>
+          <p:cNvPr id="170" name="Google Shape;170;p17"/>
           <p:cNvSpPr/>
           <p:nvPr/>
         </p:nvSpPr>
         <p:spPr>
           <a:xfrm>
-            <a:off x="7267875" y="2937100"/>
+            <a:off x="6553898" y="2803100"/>
             <a:ext cx="704100" cy="45000"/>
           </a:xfrm>
           <a:prstGeom prst="rect">
@@ -11746,14 +12403,14 @@
       </p:sp>
       <p:sp>
         <p:nvSpPr>
-          <p:cNvPr id="168" name="Google Shape;168;p17"/>
+          <p:cNvPr id="171" name="Google Shape;171;p17"/>
           <p:cNvSpPr txBox="1"/>
           <p:nvPr/>
         </p:nvSpPr>
         <p:spPr>
           <a:xfrm>
-            <a:off x="7267875" y="2768762"/>
-            <a:ext cx="961200" cy="261600"/>
+            <a:off x="5831199" y="2648975"/>
+            <a:ext cx="1080300" cy="261600"/>
           </a:xfrm>
           <a:prstGeom prst="rect">
             <a:avLst/>
@@ -11791,7 +12448,71 @@
                 <a:cs typeface="Calibri"/>
                 <a:sym typeface="Calibri"/>
               </a:rPr>
-              <a:t>세부기능 구현(</a:t>
+              <a:t>세부기능 구현( 로그인, like 기능 )</a:t>
+            </a:r>
+            <a:endParaRPr sz="500">
+              <a:solidFill>
+                <a:schemeClr val="dk2"/>
+              </a:solidFill>
+              <a:highlight>
+                <a:schemeClr val="dk1"/>
+              </a:highlight>
+              <a:latin typeface="Calibri"/>
+              <a:ea typeface="Calibri"/>
+              <a:cs typeface="Calibri"/>
+              <a:sym typeface="Calibri"/>
+            </a:endParaRPr>
+          </a:p>
+        </p:txBody>
+      </p:sp>
+      <p:sp>
+        <p:nvSpPr>
+          <p:cNvPr id="172" name="Google Shape;172;p17"/>
+          <p:cNvSpPr txBox="1"/>
+          <p:nvPr/>
+        </p:nvSpPr>
+        <p:spPr>
+          <a:xfrm>
+            <a:off x="6711399" y="2648975"/>
+            <a:ext cx="1080300" cy="261600"/>
+          </a:xfrm>
+          <a:prstGeom prst="rect">
+            <a:avLst/>
+          </a:prstGeom>
+          <a:noFill/>
+          <a:ln>
+            <a:noFill/>
+          </a:ln>
+        </p:spPr>
+        <p:txBody>
+          <a:bodyPr anchorCtr="0" anchor="t" bIns="91425" lIns="91425" spcFirstLastPara="1" rIns="91425" wrap="square" tIns="91425">
+            <a:spAutoFit/>
+          </a:bodyPr>
+          <a:lstStyle/>
+          <a:p>
+            <a:pPr indent="0" lvl="0" marL="0" rtl="0" algn="l">
+              <a:spcBef>
+                <a:spcPts val="0"/>
+              </a:spcBef>
+              <a:spcAft>
+                <a:spcPts val="0"/>
+              </a:spcAft>
+              <a:buNone/>
+            </a:pPr>
+            <a:r>
+              <a:rPr lang="ko" sz="500">
+                <a:solidFill>
+                  <a:schemeClr val="dk2"/>
+                </a:solidFill>
+                <a:highlight>
+                  <a:schemeClr val="dk1"/>
+                </a:highlight>
+                <a:latin typeface="Calibri"/>
+                <a:ea typeface="Calibri"/>
+                <a:cs typeface="Calibri"/>
+                <a:sym typeface="Calibri"/>
+              </a:rPr>
+              <a:t>세부기능 구현( </a:t>
             </a:r>
             <a:r>
               <a:rPr lang="ko" sz="500">
@@ -11821,7 +12542,7 @@
                 <a:cs typeface="Calibri"/>
                 <a:sym typeface="Calibri"/>
               </a:rPr>
-              <a:t>)</a:t>
+              <a:t> )</a:t>
             </a:r>
             <a:endParaRPr sz="500">
               <a:solidFill>
@@ -11851,7 +12572,7 @@
   <p:cSld>
     <p:spTree>
       <p:nvGrpSpPr>
-        <p:cNvPr id="172" name="Shape 172"/>
+        <p:cNvPr id="176" name="Shape 176"/>
         <p:cNvGrpSpPr/>
         <p:nvPr/>
       </p:nvGrpSpPr>
@@ -11865,7 +12586,7 @@
       </p:grpSpPr>
       <p:sp>
         <p:nvSpPr>
-          <p:cNvPr id="173" name="Google Shape;173;p18"/>
+          <p:cNvPr id="177" name="Google Shape;177;p18"/>
           <p:cNvSpPr txBox="1"/>
           <p:nvPr>
             <p:ph type="title"/>
@@ -11905,7 +12626,7 @@
       </p:sp>
       <p:pic>
         <p:nvPicPr>
-          <p:cNvPr id="174" name="Google Shape;174;p18"/>
+          <p:cNvPr id="178" name="Google Shape;178;p18"/>
           <p:cNvPicPr preferRelativeResize="0"/>
           <p:nvPr/>
         </p:nvPicPr>
@@ -11933,7 +12654,7 @@
       </p:pic>
       <p:sp>
         <p:nvSpPr>
-          <p:cNvPr id="175" name="Google Shape;175;p18"/>
+          <p:cNvPr id="179" name="Google Shape;179;p18"/>
           <p:cNvSpPr txBox="1"/>
           <p:nvPr/>
         </p:nvSpPr>
@@ -11991,7 +12712,7 @@
       </p:sp>
       <p:sp>
         <p:nvSpPr>
-          <p:cNvPr id="176" name="Google Shape;176;p18"/>
+          <p:cNvPr id="180" name="Google Shape;180;p18"/>
           <p:cNvSpPr txBox="1"/>
           <p:nvPr/>
         </p:nvSpPr>
@@ -12049,7 +12770,7 @@
       </p:sp>
       <p:sp>
         <p:nvSpPr>
-          <p:cNvPr id="177" name="Google Shape;177;p18"/>
+          <p:cNvPr id="181" name="Google Shape;181;p18"/>
           <p:cNvSpPr txBox="1"/>
           <p:nvPr/>
         </p:nvSpPr>
@@ -12250,257 +12971,13 @@
       </p:sp>
       <p:sp>
         <p:nvSpPr>
-          <p:cNvPr id="178" name="Google Shape;178;p18"/>
+          <p:cNvPr id="182" name="Google Shape;182;p18"/>
           <p:cNvSpPr txBox="1"/>
           <p:nvPr/>
         </p:nvSpPr>
         <p:spPr>
           <a:xfrm>
             <a:off x="8344250" y="1220181"/>
-            <a:ext cx="555600" cy="307800"/>
-          </a:xfrm>
-          <a:prstGeom prst="rect">
-            <a:avLst/>
-          </a:prstGeom>
-          <a:noFill/>
-          <a:ln>
-            <a:noFill/>
-          </a:ln>
-        </p:spPr>
-        <p:txBody>
-          <a:bodyPr anchorCtr="0" anchor="t" bIns="91425" lIns="91425" spcFirstLastPara="1" rIns="91425" wrap="square" tIns="91425">
-            <a:spAutoFit/>
-          </a:bodyPr>
-          <a:lstStyle/>
-          <a:p>
-            <a:pPr indent="0" lvl="0" marL="0" rtl="0" algn="l">
-              <a:lnSpc>
-                <a:spcPct val="130000"/>
-              </a:lnSpc>
-              <a:spcBef>
-                <a:spcPts val="0"/>
-              </a:spcBef>
-              <a:spcAft>
-                <a:spcPts val="0"/>
-              </a:spcAft>
-              <a:buNone/>
-            </a:pPr>
-            <a:r>
-              <a:rPr lang="ko" sz="800">
-                <a:solidFill>
-                  <a:schemeClr val="dk2"/>
-                </a:solidFill>
-                <a:latin typeface="Calibri"/>
-                <a:ea typeface="Calibri"/>
-                <a:cs typeface="Calibri"/>
-                <a:sym typeface="Calibri"/>
-              </a:rPr>
-              <a:t>나(본인)</a:t>
-            </a:r>
-            <a:endParaRPr sz="800">
-              <a:solidFill>
-                <a:schemeClr val="dk2"/>
-              </a:solidFill>
-              <a:latin typeface="Calibri"/>
-              <a:ea typeface="Calibri"/>
-              <a:cs typeface="Calibri"/>
-              <a:sym typeface="Calibri"/>
-            </a:endParaRPr>
-          </a:p>
-        </p:txBody>
-      </p:sp>
-      <p:sp>
-        <p:nvSpPr>
-          <p:cNvPr id="179" name="Google Shape;179;p18"/>
-          <p:cNvSpPr txBox="1"/>
-          <p:nvPr/>
-        </p:nvSpPr>
-        <p:spPr>
-          <a:xfrm>
-            <a:off x="8344250" y="2340656"/>
-            <a:ext cx="555600" cy="307800"/>
-          </a:xfrm>
-          <a:prstGeom prst="rect">
-            <a:avLst/>
-          </a:prstGeom>
-          <a:noFill/>
-          <a:ln>
-            <a:noFill/>
-          </a:ln>
-        </p:spPr>
-        <p:txBody>
-          <a:bodyPr anchorCtr="0" anchor="t" bIns="91425" lIns="91425" spcFirstLastPara="1" rIns="91425" wrap="square" tIns="91425">
-            <a:spAutoFit/>
-          </a:bodyPr>
-          <a:lstStyle/>
-          <a:p>
-            <a:pPr indent="0" lvl="0" marL="0" rtl="0" algn="l">
-              <a:lnSpc>
-                <a:spcPct val="130000"/>
-              </a:lnSpc>
-              <a:spcBef>
-                <a:spcPts val="0"/>
-              </a:spcBef>
-              <a:spcAft>
-                <a:spcPts val="0"/>
-              </a:spcAft>
-              <a:buNone/>
-            </a:pPr>
-            <a:r>
-              <a:rPr lang="ko" sz="800">
-                <a:solidFill>
-                  <a:schemeClr val="dk2"/>
-                </a:solidFill>
-                <a:latin typeface="Calibri"/>
-                <a:ea typeface="Calibri"/>
-                <a:cs typeface="Calibri"/>
-                <a:sym typeface="Calibri"/>
-              </a:rPr>
-              <a:t>나(본인)</a:t>
-            </a:r>
-            <a:endParaRPr sz="800">
-              <a:solidFill>
-                <a:schemeClr val="dk2"/>
-              </a:solidFill>
-              <a:latin typeface="Calibri"/>
-              <a:ea typeface="Calibri"/>
-              <a:cs typeface="Calibri"/>
-              <a:sym typeface="Calibri"/>
-            </a:endParaRPr>
-          </a:p>
-        </p:txBody>
-      </p:sp>
-      <p:sp>
-        <p:nvSpPr>
-          <p:cNvPr id="180" name="Google Shape;180;p18"/>
-          <p:cNvSpPr txBox="1"/>
-          <p:nvPr/>
-        </p:nvSpPr>
-        <p:spPr>
-          <a:xfrm>
-            <a:off x="8344250" y="2032856"/>
-            <a:ext cx="555600" cy="307800"/>
-          </a:xfrm>
-          <a:prstGeom prst="rect">
-            <a:avLst/>
-          </a:prstGeom>
-          <a:noFill/>
-          <a:ln>
-            <a:noFill/>
-          </a:ln>
-        </p:spPr>
-        <p:txBody>
-          <a:bodyPr anchorCtr="0" anchor="t" bIns="91425" lIns="91425" spcFirstLastPara="1" rIns="91425" wrap="square" tIns="91425">
-            <a:spAutoFit/>
-          </a:bodyPr>
-          <a:lstStyle/>
-          <a:p>
-            <a:pPr indent="0" lvl="0" marL="0" rtl="0" algn="l">
-              <a:lnSpc>
-                <a:spcPct val="130000"/>
-              </a:lnSpc>
-              <a:spcBef>
-                <a:spcPts val="0"/>
-              </a:spcBef>
-              <a:spcAft>
-                <a:spcPts val="0"/>
-              </a:spcAft>
-              <a:buNone/>
-            </a:pPr>
-            <a:r>
-              <a:rPr lang="ko" sz="800">
-                <a:solidFill>
-                  <a:schemeClr val="dk2"/>
-                </a:solidFill>
-                <a:latin typeface="Calibri"/>
-                <a:ea typeface="Calibri"/>
-                <a:cs typeface="Calibri"/>
-                <a:sym typeface="Calibri"/>
-              </a:rPr>
-              <a:t>나(본인)</a:t>
-            </a:r>
-            <a:endParaRPr sz="800">
-              <a:solidFill>
-                <a:schemeClr val="dk2"/>
-              </a:solidFill>
-              <a:latin typeface="Calibri"/>
-              <a:ea typeface="Calibri"/>
-              <a:cs typeface="Calibri"/>
-              <a:sym typeface="Calibri"/>
-            </a:endParaRPr>
-          </a:p>
-        </p:txBody>
-      </p:sp>
-      <p:sp>
-        <p:nvSpPr>
-          <p:cNvPr id="181" name="Google Shape;181;p18"/>
-          <p:cNvSpPr txBox="1"/>
-          <p:nvPr/>
-        </p:nvSpPr>
-        <p:spPr>
-          <a:xfrm>
-            <a:off x="8344250" y="1803553"/>
-            <a:ext cx="555600" cy="307800"/>
-          </a:xfrm>
-          <a:prstGeom prst="rect">
-            <a:avLst/>
-          </a:prstGeom>
-          <a:noFill/>
-          <a:ln>
-            <a:noFill/>
-          </a:ln>
-        </p:spPr>
-        <p:txBody>
-          <a:bodyPr anchorCtr="0" anchor="t" bIns="91425" lIns="91425" spcFirstLastPara="1" rIns="91425" wrap="square" tIns="91425">
-            <a:spAutoFit/>
-          </a:bodyPr>
-          <a:lstStyle/>
-          <a:p>
-            <a:pPr indent="0" lvl="0" marL="0" rtl="0" algn="l">
-              <a:lnSpc>
-                <a:spcPct val="130000"/>
-              </a:lnSpc>
-              <a:spcBef>
-                <a:spcPts val="0"/>
-              </a:spcBef>
-              <a:spcAft>
-                <a:spcPts val="0"/>
-              </a:spcAft>
-              <a:buNone/>
-            </a:pPr>
-            <a:r>
-              <a:rPr lang="ko" sz="800">
-                <a:solidFill>
-                  <a:schemeClr val="dk2"/>
-                </a:solidFill>
-                <a:latin typeface="Calibri"/>
-                <a:ea typeface="Calibri"/>
-                <a:cs typeface="Calibri"/>
-                <a:sym typeface="Calibri"/>
-              </a:rPr>
-              <a:t>나(본인)</a:t>
-            </a:r>
-            <a:endParaRPr sz="800">
-              <a:solidFill>
-                <a:schemeClr val="dk2"/>
-              </a:solidFill>
-              <a:latin typeface="Calibri"/>
-              <a:ea typeface="Calibri"/>
-              <a:cs typeface="Calibri"/>
-              <a:sym typeface="Calibri"/>
-            </a:endParaRPr>
-          </a:p>
-        </p:txBody>
-      </p:sp>
-      <p:sp>
-        <p:nvSpPr>
-          <p:cNvPr id="182" name="Google Shape;182;p18"/>
-          <p:cNvSpPr txBox="1"/>
-          <p:nvPr/>
-        </p:nvSpPr>
-        <p:spPr>
-          <a:xfrm>
-            <a:off x="8344250" y="1661796"/>
             <a:ext cx="555600" cy="307800"/>
           </a:xfrm>
           <a:prstGeom prst="rect">
@@ -12556,6 +13033,250 @@
       <p:sp>
         <p:nvSpPr>
           <p:cNvPr id="183" name="Google Shape;183;p18"/>
+          <p:cNvSpPr txBox="1"/>
+          <p:nvPr/>
+        </p:nvSpPr>
+        <p:spPr>
+          <a:xfrm>
+            <a:off x="8344250" y="2340656"/>
+            <a:ext cx="555600" cy="307800"/>
+          </a:xfrm>
+          <a:prstGeom prst="rect">
+            <a:avLst/>
+          </a:prstGeom>
+          <a:noFill/>
+          <a:ln>
+            <a:noFill/>
+          </a:ln>
+        </p:spPr>
+        <p:txBody>
+          <a:bodyPr anchorCtr="0" anchor="t" bIns="91425" lIns="91425" spcFirstLastPara="1" rIns="91425" wrap="square" tIns="91425">
+            <a:spAutoFit/>
+          </a:bodyPr>
+          <a:lstStyle/>
+          <a:p>
+            <a:pPr indent="0" lvl="0" marL="0" rtl="0" algn="l">
+              <a:lnSpc>
+                <a:spcPct val="130000"/>
+              </a:lnSpc>
+              <a:spcBef>
+                <a:spcPts val="0"/>
+              </a:spcBef>
+              <a:spcAft>
+                <a:spcPts val="0"/>
+              </a:spcAft>
+              <a:buNone/>
+            </a:pPr>
+            <a:r>
+              <a:rPr lang="ko" sz="800">
+                <a:solidFill>
+                  <a:schemeClr val="dk2"/>
+                </a:solidFill>
+                <a:latin typeface="Calibri"/>
+                <a:ea typeface="Calibri"/>
+                <a:cs typeface="Calibri"/>
+                <a:sym typeface="Calibri"/>
+              </a:rPr>
+              <a:t>나(본인)</a:t>
+            </a:r>
+            <a:endParaRPr sz="800">
+              <a:solidFill>
+                <a:schemeClr val="dk2"/>
+              </a:solidFill>
+              <a:latin typeface="Calibri"/>
+              <a:ea typeface="Calibri"/>
+              <a:cs typeface="Calibri"/>
+              <a:sym typeface="Calibri"/>
+            </a:endParaRPr>
+          </a:p>
+        </p:txBody>
+      </p:sp>
+      <p:sp>
+        <p:nvSpPr>
+          <p:cNvPr id="184" name="Google Shape;184;p18"/>
+          <p:cNvSpPr txBox="1"/>
+          <p:nvPr/>
+        </p:nvSpPr>
+        <p:spPr>
+          <a:xfrm>
+            <a:off x="8344250" y="2032856"/>
+            <a:ext cx="555600" cy="307800"/>
+          </a:xfrm>
+          <a:prstGeom prst="rect">
+            <a:avLst/>
+          </a:prstGeom>
+          <a:noFill/>
+          <a:ln>
+            <a:noFill/>
+          </a:ln>
+        </p:spPr>
+        <p:txBody>
+          <a:bodyPr anchorCtr="0" anchor="t" bIns="91425" lIns="91425" spcFirstLastPara="1" rIns="91425" wrap="square" tIns="91425">
+            <a:spAutoFit/>
+          </a:bodyPr>
+          <a:lstStyle/>
+          <a:p>
+            <a:pPr indent="0" lvl="0" marL="0" rtl="0" algn="l">
+              <a:lnSpc>
+                <a:spcPct val="130000"/>
+              </a:lnSpc>
+              <a:spcBef>
+                <a:spcPts val="0"/>
+              </a:spcBef>
+              <a:spcAft>
+                <a:spcPts val="0"/>
+              </a:spcAft>
+              <a:buNone/>
+            </a:pPr>
+            <a:r>
+              <a:rPr lang="ko" sz="800">
+                <a:solidFill>
+                  <a:schemeClr val="dk2"/>
+                </a:solidFill>
+                <a:latin typeface="Calibri"/>
+                <a:ea typeface="Calibri"/>
+                <a:cs typeface="Calibri"/>
+                <a:sym typeface="Calibri"/>
+              </a:rPr>
+              <a:t>나(본인)</a:t>
+            </a:r>
+            <a:endParaRPr sz="800">
+              <a:solidFill>
+                <a:schemeClr val="dk2"/>
+              </a:solidFill>
+              <a:latin typeface="Calibri"/>
+              <a:ea typeface="Calibri"/>
+              <a:cs typeface="Calibri"/>
+              <a:sym typeface="Calibri"/>
+            </a:endParaRPr>
+          </a:p>
+        </p:txBody>
+      </p:sp>
+      <p:sp>
+        <p:nvSpPr>
+          <p:cNvPr id="185" name="Google Shape;185;p18"/>
+          <p:cNvSpPr txBox="1"/>
+          <p:nvPr/>
+        </p:nvSpPr>
+        <p:spPr>
+          <a:xfrm>
+            <a:off x="8344250" y="1803553"/>
+            <a:ext cx="555600" cy="307800"/>
+          </a:xfrm>
+          <a:prstGeom prst="rect">
+            <a:avLst/>
+          </a:prstGeom>
+          <a:noFill/>
+          <a:ln>
+            <a:noFill/>
+          </a:ln>
+        </p:spPr>
+        <p:txBody>
+          <a:bodyPr anchorCtr="0" anchor="t" bIns="91425" lIns="91425" spcFirstLastPara="1" rIns="91425" wrap="square" tIns="91425">
+            <a:spAutoFit/>
+          </a:bodyPr>
+          <a:lstStyle/>
+          <a:p>
+            <a:pPr indent="0" lvl="0" marL="0" rtl="0" algn="l">
+              <a:lnSpc>
+                <a:spcPct val="130000"/>
+              </a:lnSpc>
+              <a:spcBef>
+                <a:spcPts val="0"/>
+              </a:spcBef>
+              <a:spcAft>
+                <a:spcPts val="0"/>
+              </a:spcAft>
+              <a:buNone/>
+            </a:pPr>
+            <a:r>
+              <a:rPr lang="ko" sz="800">
+                <a:solidFill>
+                  <a:schemeClr val="dk2"/>
+                </a:solidFill>
+                <a:latin typeface="Calibri"/>
+                <a:ea typeface="Calibri"/>
+                <a:cs typeface="Calibri"/>
+                <a:sym typeface="Calibri"/>
+              </a:rPr>
+              <a:t>나(본인)</a:t>
+            </a:r>
+            <a:endParaRPr sz="800">
+              <a:solidFill>
+                <a:schemeClr val="dk2"/>
+              </a:solidFill>
+              <a:latin typeface="Calibri"/>
+              <a:ea typeface="Calibri"/>
+              <a:cs typeface="Calibri"/>
+              <a:sym typeface="Calibri"/>
+            </a:endParaRPr>
+          </a:p>
+        </p:txBody>
+      </p:sp>
+      <p:sp>
+        <p:nvSpPr>
+          <p:cNvPr id="186" name="Google Shape;186;p18"/>
+          <p:cNvSpPr txBox="1"/>
+          <p:nvPr/>
+        </p:nvSpPr>
+        <p:spPr>
+          <a:xfrm>
+            <a:off x="8344250" y="1661796"/>
+            <a:ext cx="555600" cy="307800"/>
+          </a:xfrm>
+          <a:prstGeom prst="rect">
+            <a:avLst/>
+          </a:prstGeom>
+          <a:noFill/>
+          <a:ln>
+            <a:noFill/>
+          </a:ln>
+        </p:spPr>
+        <p:txBody>
+          <a:bodyPr anchorCtr="0" anchor="t" bIns="91425" lIns="91425" spcFirstLastPara="1" rIns="91425" wrap="square" tIns="91425">
+            <a:spAutoFit/>
+          </a:bodyPr>
+          <a:lstStyle/>
+          <a:p>
+            <a:pPr indent="0" lvl="0" marL="0" rtl="0" algn="l">
+              <a:lnSpc>
+                <a:spcPct val="130000"/>
+              </a:lnSpc>
+              <a:spcBef>
+                <a:spcPts val="0"/>
+              </a:spcBef>
+              <a:spcAft>
+                <a:spcPts val="0"/>
+              </a:spcAft>
+              <a:buNone/>
+            </a:pPr>
+            <a:r>
+              <a:rPr lang="ko" sz="800">
+                <a:solidFill>
+                  <a:schemeClr val="dk2"/>
+                </a:solidFill>
+                <a:latin typeface="Calibri"/>
+                <a:ea typeface="Calibri"/>
+                <a:cs typeface="Calibri"/>
+                <a:sym typeface="Calibri"/>
+              </a:rPr>
+              <a:t>나(본인)</a:t>
+            </a:r>
+            <a:endParaRPr sz="800">
+              <a:solidFill>
+                <a:schemeClr val="dk2"/>
+              </a:solidFill>
+              <a:latin typeface="Calibri"/>
+              <a:ea typeface="Calibri"/>
+              <a:cs typeface="Calibri"/>
+              <a:sym typeface="Calibri"/>
+            </a:endParaRPr>
+          </a:p>
+        </p:txBody>
+      </p:sp>
+      <p:sp>
+        <p:nvSpPr>
+          <p:cNvPr id="187" name="Google Shape;187;p18"/>
           <p:cNvSpPr txBox="1"/>
           <p:nvPr/>
         </p:nvSpPr>
@@ -12627,7 +13348,7 @@
   <p:cSld>
     <p:spTree>
       <p:nvGrpSpPr>
-        <p:cNvPr id="187" name="Shape 187"/>
+        <p:cNvPr id="191" name="Shape 191"/>
         <p:cNvGrpSpPr/>
         <p:nvPr/>
       </p:nvGrpSpPr>
@@ -12641,7 +13362,7 @@
       </p:grpSpPr>
       <p:sp>
         <p:nvSpPr>
-          <p:cNvPr id="188" name="Google Shape;188;p19"/>
+          <p:cNvPr id="192" name="Google Shape;192;p19"/>
           <p:cNvSpPr txBox="1"/>
           <p:nvPr>
             <p:ph type="title"/>
@@ -12649,8 +13370,8 @@
         </p:nvSpPr>
         <p:spPr>
           <a:xfrm>
-            <a:off x="819150" y="845600"/>
-            <a:ext cx="7505700" cy="954600"/>
+            <a:off x="200525" y="188325"/>
+            <a:ext cx="3438300" cy="343200"/>
           </a:xfrm>
           <a:prstGeom prst="rect">
             <a:avLst/>
@@ -12658,7 +13379,7 @@
         </p:spPr>
         <p:txBody>
           <a:bodyPr anchorCtr="0" anchor="t" bIns="91425" lIns="91425" spcFirstLastPara="1" rIns="91425" wrap="square" tIns="91425">
-            <a:normAutofit/>
+            <a:normAutofit fontScale="90000"/>
           </a:bodyPr>
           <a:lstStyle/>
           <a:p>
@@ -12672,32 +13393,35 @@
               <a:buNone/>
             </a:pPr>
             <a:r>
-              <a:t/>
+              <a:rPr lang="ko" sz="1500"/>
+              <a:t>프론트(플러터) 기본 틀 구성</a:t>
             </a:r>
-            <a:endParaRPr/>
+            <a:endParaRPr sz="1500"/>
           </a:p>
         </p:txBody>
       </p:sp>
       <p:sp>
         <p:nvSpPr>
-          <p:cNvPr id="189" name="Google Shape;189;p19"/>
+          <p:cNvPr id="193" name="Google Shape;193;p19"/>
           <p:cNvSpPr txBox="1"/>
-          <p:nvPr>
-            <p:ph idx="1" type="body"/>
-          </p:nvPr>
+          <p:nvPr/>
         </p:nvSpPr>
         <p:spPr>
           <a:xfrm>
-            <a:off x="819150" y="1990725"/>
-            <a:ext cx="7505700" cy="2448000"/>
+            <a:off x="4278625" y="1203950"/>
+            <a:ext cx="3712800" cy="384900"/>
           </a:xfrm>
           <a:prstGeom prst="rect">
             <a:avLst/>
           </a:prstGeom>
+          <a:noFill/>
+          <a:ln>
+            <a:noFill/>
+          </a:ln>
         </p:spPr>
         <p:txBody>
           <a:bodyPr anchorCtr="0" anchor="t" bIns="91425" lIns="91425" spcFirstLastPara="1" rIns="91425" wrap="square" tIns="91425">
-            <a:normAutofit/>
+            <a:spAutoFit/>
           </a:bodyPr>
           <a:lstStyle/>
           <a:p>
@@ -12706,17 +13430,74 @@
                 <a:spcPts val="0"/>
               </a:spcBef>
               <a:spcAft>
-                <a:spcPts val="1200"/>
+                <a:spcPts val="0"/>
               </a:spcAft>
               <a:buNone/>
             </a:pPr>
             <a:r>
-              <a:t/>
+              <a:rPr lang="ko" sz="1300">
+                <a:solidFill>
+                  <a:schemeClr val="dk2"/>
+                </a:solidFill>
+                <a:latin typeface="Calibri"/>
+                <a:ea typeface="Calibri"/>
+                <a:cs typeface="Calibri"/>
+                <a:sym typeface="Calibri"/>
+              </a:rPr>
+              <a:t>기본적인 UI의 형식을 맞추고 탭바 구</a:t>
             </a:r>
-            <a:endParaRPr/>
+            <a:r>
+              <a:rPr lang="ko" sz="1300">
+                <a:solidFill>
+                  <a:schemeClr val="dk2"/>
+                </a:solidFill>
+                <a:latin typeface="Calibri"/>
+                <a:ea typeface="Calibri"/>
+                <a:cs typeface="Calibri"/>
+                <a:sym typeface="Calibri"/>
+              </a:rPr>
+              <a:t>분</a:t>
+            </a:r>
+            <a:endParaRPr sz="1300">
+              <a:solidFill>
+                <a:schemeClr val="dk2"/>
+              </a:solidFill>
+              <a:latin typeface="Calibri"/>
+              <a:ea typeface="Calibri"/>
+              <a:cs typeface="Calibri"/>
+              <a:sym typeface="Calibri"/>
+            </a:endParaRPr>
           </a:p>
         </p:txBody>
       </p:sp>
+      <p:pic>
+        <p:nvPicPr>
+          <p:cNvPr id="194" name="Google Shape;194;p19"/>
+          <p:cNvPicPr preferRelativeResize="0"/>
+          <p:nvPr/>
+        </p:nvPicPr>
+        <p:blipFill>
+          <a:blip r:embed="rId3">
+            <a:alphaModFix/>
+          </a:blip>
+          <a:stretch>
+            <a:fillRect/>
+          </a:stretch>
+        </p:blipFill>
+        <p:spPr>
+          <a:xfrm>
+            <a:off x="867300" y="670551"/>
+            <a:ext cx="2771524" cy="4064300"/>
+          </a:xfrm>
+          <a:prstGeom prst="rect">
+            <a:avLst/>
+          </a:prstGeom>
+          <a:noFill/>
+          <a:ln>
+            <a:noFill/>
+          </a:ln>
+        </p:spPr>
+      </p:pic>
     </p:spTree>
   </p:cSld>
   <p:clrMapOvr>
@@ -12730,7 +13511,7 @@
   <p:cSld>
     <p:spTree>
       <p:nvGrpSpPr>
-        <p:cNvPr id="193" name="Shape 193"/>
+        <p:cNvPr id="198" name="Shape 198"/>
         <p:cNvGrpSpPr/>
         <p:nvPr/>
       </p:nvGrpSpPr>
@@ -12744,7 +13525,7 @@
       </p:grpSpPr>
       <p:sp>
         <p:nvSpPr>
-          <p:cNvPr id="194" name="Google Shape;194;p20"/>
+          <p:cNvPr id="199" name="Google Shape;199;p20"/>
           <p:cNvSpPr txBox="1"/>
           <p:nvPr>
             <p:ph type="title"/>
@@ -12752,8 +13533,8 @@
         </p:nvSpPr>
         <p:spPr>
           <a:xfrm>
-            <a:off x="819150" y="845600"/>
-            <a:ext cx="7505700" cy="954600"/>
+            <a:off x="200525" y="188325"/>
+            <a:ext cx="3438300" cy="343200"/>
           </a:xfrm>
           <a:prstGeom prst="rect">
             <a:avLst/>
@@ -12761,7 +13542,7 @@
         </p:spPr>
         <p:txBody>
           <a:bodyPr anchorCtr="0" anchor="t" bIns="91425" lIns="91425" spcFirstLastPara="1" rIns="91425" wrap="square" tIns="91425">
-            <a:normAutofit/>
+            <a:normAutofit fontScale="90000"/>
           </a:bodyPr>
           <a:lstStyle/>
           <a:p>
@@ -12775,24 +13556,164 @@
               <a:buNone/>
             </a:pPr>
             <a:r>
-              <a:t/>
+              <a:rPr lang="ko" sz="1500"/>
+              <a:t>백엔드(스프링), DB(MySql) 연동</a:t>
             </a:r>
-            <a:endParaRPr/>
+            <a:endParaRPr sz="1500"/>
           </a:p>
         </p:txBody>
       </p:sp>
+      <p:pic>
+        <p:nvPicPr>
+          <p:cNvPr id="200" name="Google Shape;200;p20"/>
+          <p:cNvPicPr preferRelativeResize="0"/>
+          <p:nvPr/>
+        </p:nvPicPr>
+        <p:blipFill>
+          <a:blip r:embed="rId3">
+            <a:alphaModFix/>
+          </a:blip>
+          <a:stretch>
+            <a:fillRect/>
+          </a:stretch>
+        </p:blipFill>
+        <p:spPr>
+          <a:xfrm>
+            <a:off x="690325" y="919204"/>
+            <a:ext cx="4925075" cy="1708125"/>
+          </a:xfrm>
+          <a:prstGeom prst="rect">
+            <a:avLst/>
+          </a:prstGeom>
+          <a:noFill/>
+          <a:ln>
+            <a:noFill/>
+          </a:ln>
+        </p:spPr>
+      </p:pic>
+      <p:pic>
+        <p:nvPicPr>
+          <p:cNvPr id="201" name="Google Shape;201;p20"/>
+          <p:cNvPicPr preferRelativeResize="0"/>
+          <p:nvPr/>
+        </p:nvPicPr>
+        <p:blipFill>
+          <a:blip r:embed="rId4">
+            <a:alphaModFix/>
+          </a:blip>
+          <a:stretch>
+            <a:fillRect/>
+          </a:stretch>
+        </p:blipFill>
+        <p:spPr>
+          <a:xfrm>
+            <a:off x="657324" y="2843850"/>
+            <a:ext cx="2277500" cy="1994850"/>
+          </a:xfrm>
+          <a:prstGeom prst="rect">
+            <a:avLst/>
+          </a:prstGeom>
+          <a:noFill/>
+          <a:ln>
+            <a:noFill/>
+          </a:ln>
+        </p:spPr>
+      </p:pic>
       <p:sp>
         <p:nvSpPr>
-          <p:cNvPr id="195" name="Google Shape;195;p20"/>
+          <p:cNvPr id="202" name="Google Shape;202;p20"/>
+          <p:cNvSpPr txBox="1"/>
+          <p:nvPr/>
+        </p:nvSpPr>
+        <p:spPr>
+          <a:xfrm>
+            <a:off x="4198550" y="3172475"/>
+            <a:ext cx="4147500" cy="384900"/>
+          </a:xfrm>
+          <a:prstGeom prst="rect">
+            <a:avLst/>
+          </a:prstGeom>
+          <a:noFill/>
+          <a:ln>
+            <a:noFill/>
+          </a:ln>
+        </p:spPr>
+        <p:txBody>
+          <a:bodyPr anchorCtr="0" anchor="t" bIns="91425" lIns="91425" spcFirstLastPara="1" rIns="91425" wrap="square" tIns="91425">
+            <a:spAutoFit/>
+          </a:bodyPr>
+          <a:lstStyle/>
+          <a:p>
+            <a:pPr indent="0" lvl="0" marL="0" rtl="0" algn="l">
+              <a:spcBef>
+                <a:spcPts val="0"/>
+              </a:spcBef>
+              <a:spcAft>
+                <a:spcPts val="0"/>
+              </a:spcAft>
+              <a:buNone/>
+            </a:pPr>
+            <a:r>
+              <a:rPr lang="ko" sz="1300">
+                <a:solidFill>
+                  <a:schemeClr val="dk2"/>
+                </a:solidFill>
+                <a:latin typeface="Calibri"/>
+                <a:ea typeface="Calibri"/>
+                <a:cs typeface="Calibri"/>
+                <a:sym typeface="Calibri"/>
+              </a:rPr>
+              <a:t>스프링과 Mysql 연동, CORs 설정, entity 기본 설계</a:t>
+            </a:r>
+            <a:endParaRPr sz="1300">
+              <a:solidFill>
+                <a:schemeClr val="dk2"/>
+              </a:solidFill>
+              <a:latin typeface="Calibri"/>
+              <a:ea typeface="Calibri"/>
+              <a:cs typeface="Calibri"/>
+              <a:sym typeface="Calibri"/>
+            </a:endParaRPr>
+          </a:p>
+        </p:txBody>
+      </p:sp>
+    </p:spTree>
+  </p:cSld>
+  <p:clrMapOvr>
+    <a:masterClrMapping/>
+  </p:clrMapOvr>
+</p:sld>
+</file>
+
+<file path=ppt/slides/slide9.xml><?xml version="1.0" encoding="utf-8"?>
+<p:sld xmlns:a="http://schemas.openxmlformats.org/drawingml/2006/main" xmlns:r="http://schemas.openxmlformats.org/officeDocument/2006/relationships" xmlns:mc="http://schemas.openxmlformats.org/markup-compatibility/2006" xmlns:mv="urn:schemas-microsoft-com:mac:vml" xmlns:p="http://schemas.openxmlformats.org/presentationml/2006/main" xmlns:c="http://schemas.openxmlformats.org/drawingml/2006/chart" xmlns:dgm="http://schemas.openxmlformats.org/drawingml/2006/diagram" xmlns:o="urn:schemas-microsoft-com:office:office" xmlns:v="urn:schemas-microsoft-com:vml" xmlns:pvml="urn:schemas-microsoft-com:office:powerpoint" xmlns:com="http://schemas.openxmlformats.org/drawingml/2006/compatibility" xmlns:p14="http://schemas.microsoft.com/office/powerpoint/2010/main" xmlns:p15="http://schemas.microsoft.com/office/powerpoint/2012/main" xmlns:ahyp="http://schemas.microsoft.com/office/drawing/2018/hyperlinkcolor">
+  <p:cSld>
+    <p:spTree>
+      <p:nvGrpSpPr>
+        <p:cNvPr id="206" name="Shape 206"/>
+        <p:cNvGrpSpPr/>
+        <p:nvPr/>
+      </p:nvGrpSpPr>
+      <p:grpSpPr>
+        <a:xfrm>
+          <a:off x="0" y="0"/>
+          <a:ext cx="0" cy="0"/>
+          <a:chOff x="0" y="0"/>
+          <a:chExt cx="0" cy="0"/>
+        </a:xfrm>
+      </p:grpSpPr>
+      <p:sp>
+        <p:nvSpPr>
+          <p:cNvPr id="207" name="Google Shape;207;p21"/>
           <p:cNvSpPr txBox="1"/>
           <p:nvPr>
-            <p:ph idx="1" type="body"/>
+            <p:ph type="title"/>
           </p:nvPr>
         </p:nvSpPr>
         <p:spPr>
           <a:xfrm>
-            <a:off x="819150" y="1990725"/>
-            <a:ext cx="7505700" cy="2448000"/>
+            <a:off x="200525" y="188325"/>
+            <a:ext cx="3438300" cy="343200"/>
           </a:xfrm>
           <a:prstGeom prst="rect">
             <a:avLst/>
@@ -12800,7 +13721,7 @@
         </p:spPr>
         <p:txBody>
           <a:bodyPr anchorCtr="0" anchor="t" bIns="91425" lIns="91425" spcFirstLastPara="1" rIns="91425" wrap="square" tIns="91425">
-            <a:normAutofit/>
+            <a:normAutofit fontScale="90000"/>
           </a:bodyPr>
           <a:lstStyle/>
           <a:p>
@@ -12809,14 +13730,212 @@
                 <a:spcPts val="0"/>
               </a:spcBef>
               <a:spcAft>
-                <a:spcPts val="1200"/>
+                <a:spcPts val="0"/>
+              </a:spcAft>
+              <a:buNone/>
+            </a:pPr>
+            <a:r>
+              <a:rPr lang="ko" sz="1500"/>
+              <a:t>세부기능 구현 ( 로그인, like 기능 )</a:t>
+            </a:r>
+            <a:endParaRPr sz="1500"/>
+          </a:p>
+        </p:txBody>
+      </p:sp>
+      <p:pic>
+        <p:nvPicPr>
+          <p:cNvPr id="208" name="Google Shape;208;p21"/>
+          <p:cNvPicPr preferRelativeResize="0"/>
+          <p:nvPr/>
+        </p:nvPicPr>
+        <p:blipFill>
+          <a:blip r:embed="rId3">
+            <a:alphaModFix/>
+          </a:blip>
+          <a:stretch>
+            <a:fillRect/>
+          </a:stretch>
+        </p:blipFill>
+        <p:spPr>
+          <a:xfrm>
+            <a:off x="605350" y="780675"/>
+            <a:ext cx="1858850" cy="964566"/>
+          </a:xfrm>
+          <a:prstGeom prst="rect">
+            <a:avLst/>
+          </a:prstGeom>
+          <a:noFill/>
+          <a:ln>
+            <a:noFill/>
+          </a:ln>
+        </p:spPr>
+      </p:pic>
+      <p:pic>
+        <p:nvPicPr>
+          <p:cNvPr id="209" name="Google Shape;209;p21"/>
+          <p:cNvPicPr preferRelativeResize="0"/>
+          <p:nvPr/>
+        </p:nvPicPr>
+        <p:blipFill>
+          <a:blip r:embed="rId4">
+            <a:alphaModFix/>
+          </a:blip>
+          <a:stretch>
+            <a:fillRect/>
+          </a:stretch>
+        </p:blipFill>
+        <p:spPr>
+          <a:xfrm>
+            <a:off x="605347" y="1856550"/>
+            <a:ext cx="1858850" cy="2924399"/>
+          </a:xfrm>
+          <a:prstGeom prst="rect">
+            <a:avLst/>
+          </a:prstGeom>
+          <a:noFill/>
+          <a:ln>
+            <a:noFill/>
+          </a:ln>
+        </p:spPr>
+      </p:pic>
+      <p:pic>
+        <p:nvPicPr>
+          <p:cNvPr id="210" name="Google Shape;210;p21"/>
+          <p:cNvPicPr preferRelativeResize="0"/>
+          <p:nvPr/>
+        </p:nvPicPr>
+        <p:blipFill>
+          <a:blip r:embed="rId5">
+            <a:alphaModFix/>
+          </a:blip>
+          <a:stretch>
+            <a:fillRect/>
+          </a:stretch>
+        </p:blipFill>
+        <p:spPr>
+          <a:xfrm>
+            <a:off x="2796500" y="852438"/>
+            <a:ext cx="3883675" cy="821050"/>
+          </a:xfrm>
+          <a:prstGeom prst="rect">
+            <a:avLst/>
+          </a:prstGeom>
+          <a:noFill/>
+          <a:ln>
+            <a:noFill/>
+          </a:ln>
+        </p:spPr>
+      </p:pic>
+      <p:sp>
+        <p:nvSpPr>
+          <p:cNvPr id="211" name="Google Shape;211;p21"/>
+          <p:cNvSpPr txBox="1"/>
+          <p:nvPr/>
+        </p:nvSpPr>
+        <p:spPr>
+          <a:xfrm>
+            <a:off x="3335875" y="2417225"/>
+            <a:ext cx="5436000" cy="785100"/>
+          </a:xfrm>
+          <a:prstGeom prst="rect">
+            <a:avLst/>
+          </a:prstGeom>
+          <a:noFill/>
+          <a:ln>
+            <a:noFill/>
+          </a:ln>
+        </p:spPr>
+        <p:txBody>
+          <a:bodyPr anchorCtr="0" anchor="t" bIns="91425" lIns="91425" spcFirstLastPara="1" rIns="91425" wrap="square" tIns="91425">
+            <a:spAutoFit/>
+          </a:bodyPr>
+          <a:lstStyle/>
+          <a:p>
+            <a:pPr indent="0" lvl="0" marL="0" rtl="0" algn="l">
+              <a:spcBef>
+                <a:spcPts val="0"/>
+              </a:spcBef>
+              <a:spcAft>
+                <a:spcPts val="0"/>
+              </a:spcAft>
+              <a:buNone/>
+            </a:pPr>
+            <a:r>
+              <a:rPr lang="ko" sz="1300">
+                <a:solidFill>
+                  <a:schemeClr val="dk2"/>
+                </a:solidFill>
+                <a:latin typeface="Calibri"/>
+                <a:ea typeface="Calibri"/>
+                <a:cs typeface="Calibri"/>
+                <a:sym typeface="Calibri"/>
+              </a:rPr>
+              <a:t>회원가입과 추천 기능을 추가</a:t>
+            </a:r>
+            <a:endParaRPr sz="1300">
+              <a:solidFill>
+                <a:schemeClr val="dk2"/>
+              </a:solidFill>
+              <a:latin typeface="Calibri"/>
+              <a:ea typeface="Calibri"/>
+              <a:cs typeface="Calibri"/>
+              <a:sym typeface="Calibri"/>
+            </a:endParaRPr>
+          </a:p>
+          <a:p>
+            <a:pPr indent="0" lvl="0" marL="0" rtl="0" algn="l">
+              <a:spcBef>
+                <a:spcPts val="0"/>
+              </a:spcBef>
+              <a:spcAft>
+                <a:spcPts val="0"/>
               </a:spcAft>
               <a:buNone/>
             </a:pPr>
             <a:r>
               <a:t/>
             </a:r>
-            <a:endParaRPr/>
+            <a:endParaRPr sz="1300">
+              <a:solidFill>
+                <a:schemeClr val="dk2"/>
+              </a:solidFill>
+              <a:latin typeface="Calibri"/>
+              <a:ea typeface="Calibri"/>
+              <a:cs typeface="Calibri"/>
+              <a:sym typeface="Calibri"/>
+            </a:endParaRPr>
+          </a:p>
+          <a:p>
+            <a:pPr indent="0" lvl="0" marL="0" rtl="0" algn="l">
+              <a:spcBef>
+                <a:spcPts val="0"/>
+              </a:spcBef>
+              <a:spcAft>
+                <a:spcPts val="0"/>
+              </a:spcAft>
+              <a:buNone/>
+            </a:pPr>
+            <a:r>
+              <a:rPr lang="ko" sz="1300">
+                <a:solidFill>
+                  <a:schemeClr val="dk2"/>
+                </a:solidFill>
+                <a:latin typeface="Calibri"/>
+                <a:ea typeface="Calibri"/>
+                <a:cs typeface="Calibri"/>
+                <a:sym typeface="Calibri"/>
+              </a:rPr>
+              <a:t>DB와의 연동,  스프링에서 컬럼끼리의 join 기능을 사용</a:t>
+            </a:r>
+            <a:endParaRPr sz="1300">
+              <a:solidFill>
+                <a:schemeClr val="dk2"/>
+              </a:solidFill>
+              <a:latin typeface="Calibri"/>
+              <a:ea typeface="Calibri"/>
+              <a:cs typeface="Calibri"/>
+              <a:sym typeface="Calibri"/>
+            </a:endParaRPr>
           </a:p>
         </p:txBody>
       </p:sp>
@@ -12829,6 +13948,285 @@
 </file>
 
 <file path=ppt/theme/theme1.xml><?xml version="1.0" encoding="utf-8"?>
+<a:theme xmlns:a="http://schemas.openxmlformats.org/drawingml/2006/main" xmlns:r="http://schemas.openxmlformats.org/officeDocument/2006/relationships" name="Shift">
+  <a:themeElements>
+    <a:clrScheme name="Shift">
+      <a:dk1>
+        <a:srgbClr val="FFFFFF"/>
+      </a:dk1>
+      <a:lt1>
+        <a:srgbClr val="AF7B51"/>
+      </a:lt1>
+      <a:dk2>
+        <a:srgbClr val="233A44"/>
+      </a:dk2>
+      <a:lt2>
+        <a:srgbClr val="D9D9D9"/>
+      </a:lt2>
+      <a:accent1>
+        <a:srgbClr val="00796B"/>
+      </a:accent1>
+      <a:accent2>
+        <a:srgbClr val="D9563F"/>
+      </a:accent2>
+      <a:accent3>
+        <a:srgbClr val="C4A15A"/>
+      </a:accent3>
+      <a:accent4>
+        <a:srgbClr val="14F597"/>
+      </a:accent4>
+      <a:accent5>
+        <a:srgbClr val="3D4594"/>
+      </a:accent5>
+      <a:accent6>
+        <a:srgbClr val="163EF5"/>
+      </a:accent6>
+      <a:hlink>
+        <a:srgbClr val="3D4594"/>
+      </a:hlink>
+      <a:folHlink>
+        <a:srgbClr val="3D4594"/>
+      </a:folHlink>
+    </a:clrScheme>
+    <a:fontScheme name="Office">
+      <a:majorFont>
+        <a:latin typeface="Arial"/>
+        <a:ea typeface=""/>
+        <a:cs typeface=""/>
+        <a:font script="Jpan" typeface="ＭＳ Ｐゴシック"/>
+        <a:font script="Hang" typeface="맑은 고딕"/>
+        <a:font script="Hans" typeface="宋体"/>
+        <a:font script="Hant" typeface="新細明體"/>
+        <a:font script="Arab" typeface="Times New Roman"/>
+        <a:font script="Hebr" typeface="Times New Roman"/>
+        <a:font script="Thai" typeface="Angsana New"/>
+        <a:font script="Ethi" typeface="Nyala"/>
+        <a:font script="Beng" typeface="Vrinda"/>
+        <a:font script="Gujr" typeface="Shruti"/>
+        <a:font script="Khmr" typeface="MoolBoran"/>
+        <a:font script="Knda" typeface="Tunga"/>
+        <a:font script="Guru" typeface="Raavi"/>
+        <a:font script="Cans" typeface="Euphemia"/>
+        <a:font script="Cher" typeface="Plantagenet Cherokee"/>
+        <a:font script="Yiii" typeface="Microsoft Yi Baiti"/>
+        <a:font script="Tibt" typeface="Microsoft Himalaya"/>
+        <a:font script="Thaa" typeface="MV Boli"/>
+        <a:font script="Deva" typeface="Mangal"/>
+        <a:font script="Telu" typeface="Gautami"/>
+        <a:font script="Taml" typeface="Latha"/>
+        <a:font script="Syrc" typeface="Estrangelo Edessa"/>
+        <a:font script="Orya" typeface="Kalinga"/>
+        <a:font script="Mlym" typeface="Kartika"/>
+        <a:font script="Laoo" typeface="DokChampa"/>
+        <a:font script="Sinh" typeface="Iskoola Pota"/>
+        <a:font script="Mong" typeface="Mongolian Baiti"/>
+        <a:font script="Viet" typeface="Times New Roman"/>
+        <a:font script="Uigh" typeface="Microsoft Uighur"/>
+        <a:font script="Geor" typeface="Sylfaen"/>
+      </a:majorFont>
+      <a:minorFont>
+        <a:latin typeface="Arial"/>
+        <a:ea typeface=""/>
+        <a:cs typeface=""/>
+        <a:font script="Jpan" typeface="ＭＳ Ｐゴシック"/>
+        <a:font script="Hang" typeface="맑은 고딕"/>
+        <a:font script="Hans" typeface="宋体"/>
+        <a:font script="Hant" typeface="新細明體"/>
+        <a:font script="Arab" typeface="Arial"/>
+        <a:font script="Hebr" typeface="Arial"/>
+        <a:font script="Thai" typeface="Cordia New"/>
+        <a:font script="Ethi" typeface="Nyala"/>
+        <a:font script="Beng" typeface="Vrinda"/>
+        <a:font script="Gujr" typeface="Shruti"/>
+        <a:font script="Khmr" typeface="DaunPenh"/>
+        <a:font script="Knda" typeface="Tunga"/>
+        <a:font script="Guru" typeface="Raavi"/>
+        <a:font script="Cans" typeface="Euphemia"/>
+        <a:font script="Cher" typeface="Plantagenet Cherokee"/>
+        <a:font script="Yiii" typeface="Microsoft Yi Baiti"/>
+        <a:font script="Tibt" typeface="Microsoft Himalaya"/>
+        <a:font script="Thaa" typeface="MV Boli"/>
+        <a:font script="Deva" typeface="Mangal"/>
+        <a:font script="Telu" typeface="Gautami"/>
+        <a:font script="Taml" typeface="Latha"/>
+        <a:font script="Syrc" typeface="Estrangelo Edessa"/>
+        <a:font script="Orya" typeface="Kalinga"/>
+        <a:font script="Mlym" typeface="Kartika"/>
+        <a:font script="Laoo" typeface="DokChampa"/>
+        <a:font script="Sinh" typeface="Iskoola Pota"/>
+        <a:font script="Mong" typeface="Mongolian Baiti"/>
+        <a:font script="Viet" typeface="Arial"/>
+        <a:font script="Uigh" typeface="Microsoft Uighur"/>
+        <a:font script="Geor" typeface="Sylfaen"/>
+      </a:minorFont>
+    </a:fontScheme>
+    <a:fmtScheme name="Office">
+      <a:fillStyleLst>
+        <a:solidFill>
+          <a:schemeClr val="phClr"/>
+        </a:solidFill>
+        <a:gradFill rotWithShape="1">
+          <a:gsLst>
+            <a:gs pos="0">
+              <a:schemeClr val="phClr">
+                <a:tint val="50000"/>
+                <a:satMod val="300000"/>
+              </a:schemeClr>
+            </a:gs>
+            <a:gs pos="35000">
+              <a:schemeClr val="phClr">
+                <a:tint val="37000"/>
+                <a:satMod val="300000"/>
+              </a:schemeClr>
+            </a:gs>
+            <a:gs pos="100000">
+              <a:schemeClr val="phClr">
+                <a:tint val="15000"/>
+                <a:satMod val="350000"/>
+              </a:schemeClr>
+            </a:gs>
+          </a:gsLst>
+          <a:lin ang="16200000" scaled="1"/>
+        </a:gradFill>
+        <a:gradFill rotWithShape="1">
+          <a:gsLst>
+            <a:gs pos="0">
+              <a:schemeClr val="phClr">
+                <a:tint val="100000"/>
+                <a:shade val="100000"/>
+                <a:satMod val="130000"/>
+              </a:schemeClr>
+            </a:gs>
+            <a:gs pos="100000">
+              <a:schemeClr val="phClr">
+                <a:tint val="50000"/>
+                <a:shade val="100000"/>
+                <a:satMod val="350000"/>
+              </a:schemeClr>
+            </a:gs>
+          </a:gsLst>
+          <a:lin ang="16200000" scaled="0"/>
+        </a:gradFill>
+      </a:fillStyleLst>
+      <a:lnStyleLst>
+        <a:ln w="9525" cap="flat" cmpd="sng" algn="ctr">
+          <a:solidFill>
+            <a:schemeClr val="phClr">
+              <a:shade val="95000"/>
+              <a:satMod val="105000"/>
+            </a:schemeClr>
+          </a:solidFill>
+          <a:prstDash val="solid"/>
+        </a:ln>
+        <a:ln w="25400" cap="flat" cmpd="sng" algn="ctr">
+          <a:solidFill>
+            <a:schemeClr val="phClr"/>
+          </a:solidFill>
+          <a:prstDash val="solid"/>
+        </a:ln>
+        <a:ln w="38100" cap="flat" cmpd="sng" algn="ctr">
+          <a:solidFill>
+            <a:schemeClr val="phClr"/>
+          </a:solidFill>
+          <a:prstDash val="solid"/>
+        </a:ln>
+      </a:lnStyleLst>
+      <a:effectStyleLst>
+        <a:effectStyle>
+          <a:effectLst>
+            <a:outerShdw blurRad="40000" dist="20000" dir="5400000" rotWithShape="0">
+              <a:srgbClr val="000000">
+                <a:alpha val="38000"/>
+              </a:srgbClr>
+            </a:outerShdw>
+          </a:effectLst>
+        </a:effectStyle>
+        <a:effectStyle>
+          <a:effectLst>
+            <a:outerShdw blurRad="40000" dist="23000" dir="5400000" rotWithShape="0">
+              <a:srgbClr val="000000">
+                <a:alpha val="35000"/>
+              </a:srgbClr>
+            </a:outerShdw>
+          </a:effectLst>
+        </a:effectStyle>
+        <a:effectStyle>
+          <a:effectLst>
+            <a:outerShdw blurRad="40000" dist="23000" dir="5400000" rotWithShape="0">
+              <a:srgbClr val="000000">
+                <a:alpha val="35000"/>
+              </a:srgbClr>
+            </a:outerShdw>
+          </a:effectLst>
+          <a:scene3d>
+            <a:camera prst="orthographicFront">
+              <a:rot lat="0" lon="0" rev="0"/>
+            </a:camera>
+            <a:lightRig rig="threePt" dir="t">
+              <a:rot lat="0" lon="0" rev="1200000"/>
+            </a:lightRig>
+          </a:scene3d>
+          <a:sp3d>
+            <a:bevelT w="63500" h="25400"/>
+          </a:sp3d>
+        </a:effectStyle>
+      </a:effectStyleLst>
+      <a:bgFillStyleLst>
+        <a:solidFill>
+          <a:schemeClr val="phClr"/>
+        </a:solidFill>
+        <a:gradFill rotWithShape="1">
+          <a:gsLst>
+            <a:gs pos="0">
+              <a:schemeClr val="phClr">
+                <a:tint val="40000"/>
+                <a:satMod val="350000"/>
+              </a:schemeClr>
+            </a:gs>
+            <a:gs pos="40000">
+              <a:schemeClr val="phClr">
+                <a:tint val="45000"/>
+                <a:shade val="99000"/>
+                <a:satMod val="350000"/>
+              </a:schemeClr>
+            </a:gs>
+            <a:gs pos="100000">
+              <a:schemeClr val="phClr">
+                <a:shade val="20000"/>
+                <a:satMod val="255000"/>
+              </a:schemeClr>
+            </a:gs>
+          </a:gsLst>
+          <a:path path="circle">
+            <a:fillToRect l="50000" t="-80000" r="50000" b="180000"/>
+          </a:path>
+        </a:gradFill>
+        <a:gradFill rotWithShape="1">
+          <a:gsLst>
+            <a:gs pos="0">
+              <a:schemeClr val="phClr">
+                <a:tint val="80000"/>
+                <a:satMod val="300000"/>
+              </a:schemeClr>
+            </a:gs>
+            <a:gs pos="100000">
+              <a:schemeClr val="phClr">
+                <a:shade val="30000"/>
+                <a:satMod val="200000"/>
+              </a:schemeClr>
+            </a:gs>
+          </a:gsLst>
+          <a:path path="circle">
+            <a:fillToRect l="50000" t="50000" r="50000" b="50000"/>
+          </a:path>
+        </a:gradFill>
+      </a:bgFillStyleLst>
+    </a:fmtScheme>
+  </a:themeElements>
+</a:theme>
+</file>
+
+<file path=ppt/theme/theme2.xml><?xml version="1.0" encoding="utf-8"?>
 <a:theme xmlns:a="http://schemas.openxmlformats.org/drawingml/2006/main" xmlns:r="http://schemas.openxmlformats.org/officeDocument/2006/relationships">
   <a:themeElements>
     <a:clrScheme name="Default">
@@ -13105,283 +14503,4 @@
     </a:fmtScheme>
   </a:themeElements>
 </a:theme>
-</file>
-
-<file path=ppt/theme/theme2.xml><?xml version="1.0" encoding="utf-8"?>
-<a:theme xmlns:a="http://schemas.openxmlformats.org/drawingml/2006/main" xmlns:r="http://schemas.openxmlformats.org/officeDocument/2006/relationships" name="Shift">
-  <a:themeElements>
-    <a:clrScheme name="Shift">
-      <a:dk1>
-        <a:srgbClr val="FFFFFF"/>
-      </a:dk1>
-      <a:lt1>
-        <a:srgbClr val="AF7B51"/>
-      </a:lt1>
-      <a:dk2>
-        <a:srgbClr val="233A44"/>
-      </a:dk2>
-      <a:lt2>
-        <a:srgbClr val="D9D9D9"/>
-      </a:lt2>
-      <a:accent1>
-        <a:srgbClr val="00796B"/>
-      </a:accent1>
-      <a:accent2>
-        <a:srgbClr val="D9563F"/>
-      </a:accent2>
-      <a:accent3>
-        <a:srgbClr val="C4A15A"/>
-      </a:accent3>
-      <a:accent4>
-        <a:srgbClr val="14F597"/>
-      </a:accent4>
-      <a:accent5>
-        <a:srgbClr val="3D4594"/>
-      </a:accent5>
-      <a:accent6>
-        <a:srgbClr val="163EF5"/>
-      </a:accent6>
-      <a:hlink>
-        <a:srgbClr val="3D4594"/>
-      </a:hlink>
-      <a:folHlink>
-        <a:srgbClr val="3D4594"/>
-      </a:folHlink>
-    </a:clrScheme>
-    <a:fontScheme name="Office">
-      <a:majorFont>
-        <a:latin typeface="Arial"/>
-        <a:ea typeface=""/>
-        <a:cs typeface=""/>
-        <a:font script="Jpan" typeface="ＭＳ Ｐゴシック"/>
-        <a:font script="Hang" typeface="맑은 고딕"/>
-        <a:font script="Hans" typeface="宋体"/>
-        <a:font script="Hant" typeface="新細明體"/>
-        <a:font script="Arab" typeface="Times New Roman"/>
-        <a:font script="Hebr" typeface="Times New Roman"/>
-        <a:font script="Thai" typeface="Angsana New"/>
-        <a:font script="Ethi" typeface="Nyala"/>
-        <a:font script="Beng" typeface="Vrinda"/>
-        <a:font script="Gujr" typeface="Shruti"/>
-        <a:font script="Khmr" typeface="MoolBoran"/>
-        <a:font script="Knda" typeface="Tunga"/>
-        <a:font script="Guru" typeface="Raavi"/>
-        <a:font script="Cans" typeface="Euphemia"/>
-        <a:font script="Cher" typeface="Plantagenet Cherokee"/>
-        <a:font script="Yiii" typeface="Microsoft Yi Baiti"/>
-        <a:font script="Tibt" typeface="Microsoft Himalaya"/>
-        <a:font script="Thaa" typeface="MV Boli"/>
-        <a:font script="Deva" typeface="Mangal"/>
-        <a:font script="Telu" typeface="Gautami"/>
-        <a:font script="Taml" typeface="Latha"/>
-        <a:font script="Syrc" typeface="Estrangelo Edessa"/>
-        <a:font script="Orya" typeface="Kalinga"/>
-        <a:font script="Mlym" typeface="Kartika"/>
-        <a:font script="Laoo" typeface="DokChampa"/>
-        <a:font script="Sinh" typeface="Iskoola Pota"/>
-        <a:font script="Mong" typeface="Mongolian Baiti"/>
-        <a:font script="Viet" typeface="Times New Roman"/>
-        <a:font script="Uigh" typeface="Microsoft Uighur"/>
-        <a:font script="Geor" typeface="Sylfaen"/>
-      </a:majorFont>
-      <a:minorFont>
-        <a:latin typeface="Arial"/>
-        <a:ea typeface=""/>
-        <a:cs typeface=""/>
-        <a:font script="Jpan" typeface="ＭＳ Ｐゴシック"/>
-        <a:font script="Hang" typeface="맑은 고딕"/>
-        <a:font script="Hans" typeface="宋体"/>
-        <a:font script="Hant" typeface="新細明體"/>
-        <a:font script="Arab" typeface="Arial"/>
-        <a:font script="Hebr" typeface="Arial"/>
-        <a:font script="Thai" typeface="Cordia New"/>
-        <a:font script="Ethi" typeface="Nyala"/>
-        <a:font script="Beng" typeface="Vrinda"/>
-        <a:font script="Gujr" typeface="Shruti"/>
-        <a:font script="Khmr" typeface="DaunPenh"/>
-        <a:font script="Knda" typeface="Tunga"/>
-        <a:font script="Guru" typeface="Raavi"/>
-        <a:font script="Cans" typeface="Euphemia"/>
-        <a:font script="Cher" typeface="Plantagenet Cherokee"/>
-        <a:font script="Yiii" typeface="Microsoft Yi Baiti"/>
-        <a:font script="Tibt" typeface="Microsoft Himalaya"/>
-        <a:font script="Thaa" typeface="MV Boli"/>
-        <a:font script="Deva" typeface="Mangal"/>
-        <a:font script="Telu" typeface="Gautami"/>
-        <a:font script="Taml" typeface="Latha"/>
-        <a:font script="Syrc" typeface="Estrangelo Edessa"/>
-        <a:font script="Orya" typeface="Kalinga"/>
-        <a:font script="Mlym" typeface="Kartika"/>
-        <a:font script="Laoo" typeface="DokChampa"/>
-        <a:font script="Sinh" typeface="Iskoola Pota"/>
-        <a:font script="Mong" typeface="Mongolian Baiti"/>
-        <a:font script="Viet" typeface="Arial"/>
-        <a:font script="Uigh" typeface="Microsoft Uighur"/>
-        <a:font script="Geor" typeface="Sylfaen"/>
-      </a:minorFont>
-    </a:fontScheme>
-    <a:fmtScheme name="Office">
-      <a:fillStyleLst>
-        <a:solidFill>
-          <a:schemeClr val="phClr"/>
-        </a:solidFill>
-        <a:gradFill rotWithShape="1">
-          <a:gsLst>
-            <a:gs pos="0">
-              <a:schemeClr val="phClr">
-                <a:tint val="50000"/>
-                <a:satMod val="300000"/>
-              </a:schemeClr>
-            </a:gs>
-            <a:gs pos="35000">
-              <a:schemeClr val="phClr">
-                <a:tint val="37000"/>
-                <a:satMod val="300000"/>
-              </a:schemeClr>
-            </a:gs>
-            <a:gs pos="100000">
-              <a:schemeClr val="phClr">
-                <a:tint val="15000"/>
-                <a:satMod val="350000"/>
-              </a:schemeClr>
-            </a:gs>
-          </a:gsLst>
-          <a:lin ang="16200000" scaled="1"/>
-        </a:gradFill>
-        <a:gradFill rotWithShape="1">
-          <a:gsLst>
-            <a:gs pos="0">
-              <a:schemeClr val="phClr">
-                <a:tint val="100000"/>
-                <a:shade val="100000"/>
-                <a:satMod val="130000"/>
-              </a:schemeClr>
-            </a:gs>
-            <a:gs pos="100000">
-              <a:schemeClr val="phClr">
-                <a:tint val="50000"/>
-                <a:shade val="100000"/>
-                <a:satMod val="350000"/>
-              </a:schemeClr>
-            </a:gs>
-          </a:gsLst>
-          <a:lin ang="16200000" scaled="0"/>
-        </a:gradFill>
-      </a:fillStyleLst>
-      <a:lnStyleLst>
-        <a:ln w="9525" cap="flat" cmpd="sng" algn="ctr">
-          <a:solidFill>
-            <a:schemeClr val="phClr">
-              <a:shade val="95000"/>
-              <a:satMod val="105000"/>
-            </a:schemeClr>
-          </a:solidFill>
-          <a:prstDash val="solid"/>
-        </a:ln>
-        <a:ln w="25400" cap="flat" cmpd="sng" algn="ctr">
-          <a:solidFill>
-            <a:schemeClr val="phClr"/>
-          </a:solidFill>
-          <a:prstDash val="solid"/>
-        </a:ln>
-        <a:ln w="38100" cap="flat" cmpd="sng" algn="ctr">
-          <a:solidFill>
-            <a:schemeClr val="phClr"/>
-          </a:solidFill>
-          <a:prstDash val="solid"/>
-        </a:ln>
-      </a:lnStyleLst>
-      <a:effectStyleLst>
-        <a:effectStyle>
-          <a:effectLst>
-            <a:outerShdw blurRad="40000" dist="20000" dir="5400000" rotWithShape="0">
-              <a:srgbClr val="000000">
-                <a:alpha val="38000"/>
-              </a:srgbClr>
-            </a:outerShdw>
-          </a:effectLst>
-        </a:effectStyle>
-        <a:effectStyle>
-          <a:effectLst>
-            <a:outerShdw blurRad="40000" dist="23000" dir="5400000" rotWithShape="0">
-              <a:srgbClr val="000000">
-                <a:alpha val="35000"/>
-              </a:srgbClr>
-            </a:outerShdw>
-          </a:effectLst>
-        </a:effectStyle>
-        <a:effectStyle>
-          <a:effectLst>
-            <a:outerShdw blurRad="40000" dist="23000" dir="5400000" rotWithShape="0">
-              <a:srgbClr val="000000">
-                <a:alpha val="35000"/>
-              </a:srgbClr>
-            </a:outerShdw>
-          </a:effectLst>
-          <a:scene3d>
-            <a:camera prst="orthographicFront">
-              <a:rot lat="0" lon="0" rev="0"/>
-            </a:camera>
-            <a:lightRig rig="threePt" dir="t">
-              <a:rot lat="0" lon="0" rev="1200000"/>
-            </a:lightRig>
-          </a:scene3d>
-          <a:sp3d>
-            <a:bevelT w="63500" h="25400"/>
-          </a:sp3d>
-        </a:effectStyle>
-      </a:effectStyleLst>
-      <a:bgFillStyleLst>
-        <a:solidFill>
-          <a:schemeClr val="phClr"/>
-        </a:solidFill>
-        <a:gradFill rotWithShape="1">
-          <a:gsLst>
-            <a:gs pos="0">
-              <a:schemeClr val="phClr">
-                <a:tint val="40000"/>
-                <a:satMod val="350000"/>
-              </a:schemeClr>
-            </a:gs>
-            <a:gs pos="40000">
-              <a:schemeClr val="phClr">
-                <a:tint val="45000"/>
-                <a:shade val="99000"/>
-                <a:satMod val="350000"/>
-              </a:schemeClr>
-            </a:gs>
-            <a:gs pos="100000">
-              <a:schemeClr val="phClr">
-                <a:shade val="20000"/>
-                <a:satMod val="255000"/>
-              </a:schemeClr>
-            </a:gs>
-          </a:gsLst>
-          <a:path path="circle">
-            <a:fillToRect l="50000" t="-80000" r="50000" b="180000"/>
-          </a:path>
-        </a:gradFill>
-        <a:gradFill rotWithShape="1">
-          <a:gsLst>
-            <a:gs pos="0">
-              <a:schemeClr val="phClr">
-                <a:tint val="80000"/>
-                <a:satMod val="300000"/>
-              </a:schemeClr>
-            </a:gs>
-            <a:gs pos="100000">
-              <a:schemeClr val="phClr">
-                <a:shade val="30000"/>
-                <a:satMod val="200000"/>
-              </a:schemeClr>
-            </a:gs>
-          </a:gsLst>
-          <a:path path="circle">
-            <a:fillToRect l="50000" t="50000" r="50000" b="50000"/>
-          </a:path>
-        </a:gradFill>
-      </a:bgFillStyleLst>
-    </a:fmtScheme>
-  </a:themeElements>
-</a:theme>
 </file>